--- a/CMQA/Presentations/First-Semester-Presentation.pptx
+++ b/CMQA/Presentations/First-Semester-Presentation.pptx
@@ -12246,15 +12246,7 @@
                   <a:srgbClr val="000000"/>
                 </a:solidFill>
               </a:rPr>
-              <a:t>Team </a:t>
-            </a:r>
-            <a:r>
-              <a:rPr lang="en-US" altLang="en-US" sz="2400" dirty="0">
-                <a:solidFill>
-                  <a:srgbClr val="000000"/>
-                </a:solidFill>
-              </a:rPr>
-              <a:t>Bravo</a:t>
+              <a:t>Team Bravo</a:t>
             </a:r>
           </a:p>
           <a:p>
@@ -13973,12 +13965,12 @@
   <p:clrMapOvr>
     <a:masterClrMapping/>
   </p:clrMapOvr>
-  <mc:AlternateContent xmlns:mc="http://schemas.openxmlformats.org/markup-compatibility/2006" xmlns:p14="http://schemas.microsoft.com/office/powerpoint/2010/main">
-    <mc:Choice Requires="p14">
-      <p:transition spd="slow" p14:dur="2000" advTm="1111"/>
+  <mc:AlternateContent xmlns:mc="http://schemas.openxmlformats.org/markup-compatibility/2006">
+    <mc:Choice xmlns:p14="http://schemas.microsoft.com/office/powerpoint/2010/main" Requires="p14">
+      <p:transition spd="slow" p14:dur="2000" advTm="1250"/>
     </mc:Choice>
-    <mc:Fallback xmlns="">
-      <p:transition spd="slow" advTm="1111"/>
+    <mc:Fallback>
+      <p:transition spd="slow" advTm="1250"/>
     </mc:Fallback>
   </mc:AlternateContent>
   <p:timing>
@@ -15001,15 +14993,7 @@
                   <a:srgbClr val="000000"/>
                 </a:solidFill>
               </a:rPr>
-              <a:t>More </a:t>
-            </a:r>
-            <a:r>
-              <a:rPr lang="en-US" altLang="en-US" dirty="0" smtClean="0">
-                <a:solidFill>
-                  <a:srgbClr val="000000"/>
-                </a:solidFill>
-              </a:rPr>
-              <a:t>power available</a:t>
+              <a:t>More power available</a:t>
             </a:r>
           </a:p>
           <a:p>
@@ -16349,12 +16333,12 @@
   <p:clrMapOvr>
     <a:masterClrMapping/>
   </p:clrMapOvr>
-  <mc:AlternateContent xmlns:mc="http://schemas.openxmlformats.org/markup-compatibility/2006" xmlns:p14="http://schemas.microsoft.com/office/powerpoint/2010/main">
-    <mc:Choice Requires="p14">
-      <p:transition spd="slow" p14:dur="2000" advTm="1111"/>
+  <mc:AlternateContent xmlns:mc="http://schemas.openxmlformats.org/markup-compatibility/2006">
+    <mc:Choice xmlns:p14="http://schemas.microsoft.com/office/powerpoint/2010/main" Requires="p14">
+      <p:transition spd="slow" p14:dur="2000" advTm="1250"/>
     </mc:Choice>
-    <mc:Fallback xmlns="">
-      <p:transition spd="slow" advTm="1111"/>
+    <mc:Fallback>
+      <p:transition spd="slow" advTm="1250"/>
     </mc:Fallback>
   </mc:AlternateContent>
   <p:timing>
@@ -17697,7 +17681,7 @@
         <p:nvSpPr>
           <p:cNvPr id="3073" name="Rectangle 1"/>
           <p:cNvSpPr>
-            <a:spLocks noChangeArrowheads="1"/>
+            <a:spLocks noGrp="1" noChangeArrowheads="1"/>
           </p:cNvSpPr>
           <p:nvPr>
             <p:ph type="title"/>
@@ -17733,7 +17717,7 @@
         <p:nvSpPr>
           <p:cNvPr id="3074" name="Rectangle 2"/>
           <p:cNvSpPr>
-            <a:spLocks noChangeArrowheads="1"/>
+            <a:spLocks noGrp="1" noChangeArrowheads="1"/>
           </p:cNvSpPr>
           <p:nvPr>
             <p:ph type="body" idx="1"/>
@@ -18237,12 +18221,12 @@
   <p:clrMapOvr>
     <a:masterClrMapping/>
   </p:clrMapOvr>
-  <mc:AlternateContent xmlns:mc="http://schemas.openxmlformats.org/markup-compatibility/2006" xmlns:p14="http://schemas.microsoft.com/office/powerpoint/2010/main">
-    <mc:Choice Requires="p14">
-      <p:transition spd="slow" p14:dur="2000" advTm="1111"/>
+  <mc:AlternateContent xmlns:mc="http://schemas.openxmlformats.org/markup-compatibility/2006">
+    <mc:Choice xmlns:p14="http://schemas.microsoft.com/office/powerpoint/2010/main" Requires="p14">
+      <p:transition spd="slow" p14:dur="2000" advTm="1250"/>
     </mc:Choice>
-    <mc:Fallback xmlns="">
-      <p:transition spd="slow" advTm="1111"/>
+    <mc:Fallback>
+      <p:transition spd="slow" advTm="1250"/>
     </mc:Fallback>
   </mc:AlternateContent>
   <p:timing>
@@ -18571,12 +18555,12 @@
   <p:clrMapOvr>
     <a:masterClrMapping/>
   </p:clrMapOvr>
-  <mc:AlternateContent xmlns:mc="http://schemas.openxmlformats.org/markup-compatibility/2006" xmlns:p14="http://schemas.microsoft.com/office/powerpoint/2010/main">
-    <mc:Choice Requires="p14">
-      <p:transition spd="slow" p14:dur="2000" advTm="1111"/>
+  <mc:AlternateContent xmlns:mc="http://schemas.openxmlformats.org/markup-compatibility/2006">
+    <mc:Choice xmlns:p14="http://schemas.microsoft.com/office/powerpoint/2010/main" Requires="p14">
+      <p:transition spd="slow" p14:dur="2000" advTm="1250"/>
     </mc:Choice>
-    <mc:Fallback xmlns="">
-      <p:transition spd="slow" advTm="1111"/>
+    <mc:Fallback>
+      <p:transition spd="slow" advTm="1250"/>
     </mc:Fallback>
   </mc:AlternateContent>
   <p:timing>
@@ -34584,12 +34568,12 @@
   <p:clrMapOvr>
     <a:masterClrMapping/>
   </p:clrMapOvr>
-  <mc:AlternateContent xmlns:mc="http://schemas.openxmlformats.org/markup-compatibility/2006" xmlns:p14="http://schemas.microsoft.com/office/powerpoint/2010/main">
-    <mc:Choice Requires="p14">
-      <p:transition spd="slow" p14:dur="2000" advTm="1111"/>
+  <mc:AlternateContent xmlns:mc="http://schemas.openxmlformats.org/markup-compatibility/2006">
+    <mc:Choice xmlns:p14="http://schemas.microsoft.com/office/powerpoint/2010/main" Requires="p14">
+      <p:transition spd="slow" p14:dur="2000" advTm="1250"/>
     </mc:Choice>
-    <mc:Fallback xmlns="">
-      <p:transition spd="slow" advTm="1111"/>
+    <mc:Fallback>
+      <p:transition spd="slow" advTm="1250"/>
     </mc:Fallback>
   </mc:AlternateContent>
   <p:timing>
@@ -35819,12 +35803,12 @@
   <p:clrMapOvr>
     <a:masterClrMapping/>
   </p:clrMapOvr>
-  <mc:AlternateContent xmlns:mc="http://schemas.openxmlformats.org/markup-compatibility/2006" xmlns:p14="http://schemas.microsoft.com/office/powerpoint/2010/main">
-    <mc:Choice Requires="p14">
-      <p:transition spd="slow" p14:dur="2000" advTm="1111"/>
+  <mc:AlternateContent xmlns:mc="http://schemas.openxmlformats.org/markup-compatibility/2006">
+    <mc:Choice xmlns:p14="http://schemas.microsoft.com/office/powerpoint/2010/main" Requires="p14">
+      <p:transition spd="slow" p14:dur="2000" advTm="1250"/>
     </mc:Choice>
-    <mc:Fallback xmlns="">
-      <p:transition spd="slow" advTm="1111"/>
+    <mc:Fallback>
+      <p:transition spd="slow" advTm="1250"/>
     </mc:Fallback>
   </mc:AlternateContent>
   <p:timing>
@@ -37368,14 +37352,6 @@
               </a:rPr>
               <a:t>Rendezvous: performing an orbital maneuver that intentionally decreases the displacement of the spacecraft relative to a resident space object to within 50 meters for at least 5 orbits.</a:t>
             </a:r>
-            <a:endParaRPr lang="en-US" sz="2400" dirty="0">
-              <a:solidFill>
-                <a:schemeClr val="tx1">
-                  <a:lumMod val="85000"/>
-                  <a:lumOff val="15000"/>
-                </a:schemeClr>
-              </a:solidFill>
-            </a:endParaRPr>
           </a:p>
         </p:txBody>
       </p:sp>
@@ -37574,12 +37550,12 @@
   <p:clrMapOvr>
     <a:masterClrMapping/>
   </p:clrMapOvr>
-  <mc:AlternateContent xmlns:mc="http://schemas.openxmlformats.org/markup-compatibility/2006" xmlns:p14="http://schemas.microsoft.com/office/powerpoint/2010/main">
-    <mc:Choice Requires="p14">
-      <p:transition spd="slow" p14:dur="2000" advTm="1111"/>
+  <mc:AlternateContent xmlns:mc="http://schemas.openxmlformats.org/markup-compatibility/2006">
+    <mc:Choice xmlns:p14="http://schemas.microsoft.com/office/powerpoint/2010/main" Requires="p14">
+      <p:transition spd="slow" p14:dur="2000" advTm="1250"/>
     </mc:Choice>
-    <mc:Fallback xmlns="">
-      <p:transition spd="slow" advTm="1111"/>
+    <mc:Fallback>
+      <p:transition spd="slow" advTm="1250"/>
     </mc:Fallback>
   </mc:AlternateContent>
   <p:timing>
@@ -39605,11 +39581,6 @@
                 </a:rPr>
                 <a:t>1.33 kg</a:t>
               </a:r>
-              <a:endParaRPr lang="en-US" altLang="en-US" dirty="0">
-                <a:solidFill>
-                  <a:schemeClr val="tx1"/>
-                </a:solidFill>
-              </a:endParaRPr>
             </a:p>
           </p:txBody>
         </p:sp>
@@ -39719,11 +39690,6 @@
                 </a:rPr>
                 <a:t>2.66 kg</a:t>
               </a:r>
-              <a:endParaRPr lang="en-US" altLang="en-US" dirty="0">
-                <a:solidFill>
-                  <a:schemeClr val="tx1"/>
-                </a:solidFill>
-              </a:endParaRPr>
             </a:p>
           </p:txBody>
         </p:sp>
@@ -39833,11 +39799,6 @@
                 </a:rPr>
                 <a:t>4.00 kg</a:t>
               </a:r>
-              <a:endParaRPr lang="en-US" altLang="en-US" dirty="0">
-                <a:solidFill>
-                  <a:schemeClr val="tx1"/>
-                </a:solidFill>
-              </a:endParaRPr>
             </a:p>
           </p:txBody>
         </p:sp>
@@ -39947,11 +39908,6 @@
                 </a:rPr>
                 <a:t>8.00 kg</a:t>
               </a:r>
-              <a:endParaRPr lang="en-US" altLang="en-US" dirty="0">
-                <a:solidFill>
-                  <a:schemeClr val="tx1"/>
-                </a:solidFill>
-              </a:endParaRPr>
             </a:p>
           </p:txBody>
         </p:sp>
@@ -40175,11 +40131,6 @@
                 </a:rPr>
                 <a:t>&lt; 500 kg</a:t>
               </a:r>
-              <a:endParaRPr lang="en-US" altLang="en-US" dirty="0">
-                <a:solidFill>
-                  <a:schemeClr val="tx1"/>
-                </a:solidFill>
-              </a:endParaRPr>
             </a:p>
           </p:txBody>
         </p:sp>

--- a/CMQA/Presentations/First-Semester-Presentation.pptx
+++ b/CMQA/Presentations/First-Semester-Presentation.pptx
@@ -1,6 +1,6 @@
 
 <file path=ppt/presentation.xml><?xml version="1.0" encoding="utf-8"?>
-<p:presentation xmlns:a="http://schemas.openxmlformats.org/drawingml/2006/main" xmlns:r="http://schemas.openxmlformats.org/officeDocument/2006/relationships" xmlns:p="http://schemas.openxmlformats.org/presentationml/2006/main" showSpecialPlsOnTitleSld="0" strictFirstAndLastChars="0" saveSubsetFonts="1">
+<p:presentation xmlns:a="http://schemas.openxmlformats.org/drawingml/2006/main" xmlns:r="http://schemas.openxmlformats.org/officeDocument/2006/relationships" xmlns:p="http://schemas.openxmlformats.org/presentationml/2006/main" strictFirstAndLastChars="0" saveSubsetFonts="1">
   <p:sldMasterIdLst>
     <p:sldMasterId id="2147483648" r:id="rId1"/>
     <p:sldMasterId id="2147483649" r:id="rId2"/>
@@ -4142,6 +4142,10 @@
           </p:nvPr>
         </p:nvSpPr>
         <p:spPr>
+          <a:xfrm>
+            <a:off x="465931" y="7210425"/>
+            <a:ext cx="2335212" cy="509587"/>
+          </a:xfrm>
           <a:ln/>
         </p:spPr>
         <p:txBody>
@@ -4155,6 +4159,10 @@
             <a:pPr>
               <a:defRPr/>
             </a:pPr>
+            <a:fld id="{D24FB02D-9105-4947-8600-43F899326603}" type="datetime1">
+              <a:rPr lang="en-US" altLang="en-US" smtClean="0"/>
+              <a:t>12/3/2013</a:t>
+            </a:fld>
             <a:endParaRPr lang="en-US" altLang="en-US"/>
           </a:p>
         </p:txBody>
@@ -4170,6 +4178,10 @@
           </p:nvPr>
         </p:nvSpPr>
         <p:spPr>
+          <a:xfrm>
+            <a:off x="3437731" y="7210425"/>
+            <a:ext cx="3182937" cy="509587"/>
+          </a:xfrm>
           <a:ln/>
         </p:spPr>
         <p:txBody>
@@ -4183,7 +4195,11 @@
             <a:pPr>
               <a:defRPr/>
             </a:pPr>
-            <a:endParaRPr lang="en-US" altLang="en-US"/>
+            <a:r>
+              <a:rPr lang="en-US" altLang="en-US" smtClean="0"/>
+              <a:t>First Semester Presentation</a:t>
+            </a:r>
+            <a:endParaRPr lang="en-US" altLang="en-US" dirty="0"/>
           </a:p>
         </p:txBody>
       </p:sp>
@@ -4345,6 +4361,10 @@
           </p:nvPr>
         </p:nvSpPr>
         <p:spPr>
+          <a:xfrm>
+            <a:off x="465931" y="7210425"/>
+            <a:ext cx="2335212" cy="509587"/>
+          </a:xfrm>
           <a:ln/>
         </p:spPr>
         <p:txBody>
@@ -4358,6 +4378,10 @@
             <a:pPr>
               <a:defRPr/>
             </a:pPr>
+            <a:fld id="{66AC2EA7-D0E2-4E5B-9E82-5727FF0DF114}" type="datetime1">
+              <a:rPr lang="en-US" altLang="en-US" smtClean="0"/>
+              <a:t>12/3/2013</a:t>
+            </a:fld>
             <a:endParaRPr lang="en-US" altLang="en-US"/>
           </a:p>
         </p:txBody>
@@ -4373,6 +4397,10 @@
           </p:nvPr>
         </p:nvSpPr>
         <p:spPr>
+          <a:xfrm>
+            <a:off x="3437731" y="7210425"/>
+            <a:ext cx="3182937" cy="509587"/>
+          </a:xfrm>
           <a:ln/>
         </p:spPr>
         <p:txBody>
@@ -4386,6 +4414,10 @@
             <a:pPr>
               <a:defRPr/>
             </a:pPr>
+            <a:r>
+              <a:rPr lang="en-US" altLang="en-US" smtClean="0"/>
+              <a:t>First Semester Presentation</a:t>
+            </a:r>
             <a:endParaRPr lang="en-US" altLang="en-US"/>
           </a:p>
         </p:txBody>
@@ -4502,7 +4534,7 @@
         </p:nvSpPr>
         <p:spPr>
           <a:xfrm>
-            <a:off x="503238" y="301629"/>
+            <a:off x="542131" y="276225"/>
             <a:ext cx="6640512" cy="6446838"/>
           </a:xfrm>
         </p:spPr>
@@ -4558,6 +4590,10 @@
           </p:nvPr>
         </p:nvSpPr>
         <p:spPr>
+          <a:xfrm>
+            <a:off x="465931" y="7210425"/>
+            <a:ext cx="2335212" cy="509587"/>
+          </a:xfrm>
           <a:ln/>
         </p:spPr>
         <p:txBody>
@@ -4571,6 +4607,10 @@
             <a:pPr>
               <a:defRPr/>
             </a:pPr>
+            <a:fld id="{793F7B29-A33F-45A2-853D-78AADC6B1182}" type="datetime1">
+              <a:rPr lang="en-US" altLang="en-US" smtClean="0"/>
+              <a:t>12/3/2013</a:t>
+            </a:fld>
             <a:endParaRPr lang="en-US" altLang="en-US"/>
           </a:p>
         </p:txBody>
@@ -4586,6 +4626,10 @@
           </p:nvPr>
         </p:nvSpPr>
         <p:spPr>
+          <a:xfrm>
+            <a:off x="3437731" y="7210425"/>
+            <a:ext cx="3182937" cy="509587"/>
+          </a:xfrm>
           <a:ln/>
         </p:spPr>
         <p:txBody>
@@ -4599,6 +4643,10 @@
             <a:pPr>
               <a:defRPr/>
             </a:pPr>
+            <a:r>
+              <a:rPr lang="en-US" altLang="en-US" smtClean="0"/>
+              <a:t>First Semester Presentation</a:t>
+            </a:r>
             <a:endParaRPr lang="en-US" altLang="en-US"/>
           </a:p>
         </p:txBody>
@@ -4792,6 +4840,10 @@
             <a:pPr>
               <a:defRPr/>
             </a:pPr>
+            <a:fld id="{22178B99-2AE5-44CD-8768-2815E4A99476}" type="datetime1">
+              <a:rPr lang="en-US" altLang="en-US" smtClean="0"/>
+              <a:t>12/3/2013</a:t>
+            </a:fld>
             <a:endParaRPr lang="en-US" altLang="en-US"/>
           </a:p>
         </p:txBody>
@@ -4820,6 +4872,10 @@
             <a:pPr>
               <a:defRPr/>
             </a:pPr>
+            <a:r>
+              <a:rPr lang="en-US" altLang="en-US" smtClean="0"/>
+              <a:t>First Semester Presentation</a:t>
+            </a:r>
             <a:endParaRPr lang="en-US" altLang="en-US"/>
           </a:p>
         </p:txBody>
@@ -4933,7 +4989,12 @@
             <p:ph idx="1"/>
           </p:nvPr>
         </p:nvSpPr>
-        <p:spPr/>
+        <p:spPr>
+          <a:xfrm>
+            <a:off x="465931" y="1724025"/>
+            <a:ext cx="9058275" cy="4981575"/>
+          </a:xfrm>
+        </p:spPr>
         <p:txBody>
           <a:bodyPr/>
           <a:lstStyle/>
@@ -4985,7 +5046,12 @@
             <p:ph type="dt" idx="10"/>
           </p:nvPr>
         </p:nvSpPr>
-        <p:spPr/>
+        <p:spPr>
+          <a:xfrm>
+            <a:off x="465931" y="7210425"/>
+            <a:ext cx="2338387" cy="511175"/>
+          </a:xfrm>
+        </p:spPr>
         <p:txBody>
           <a:bodyPr/>
           <a:lstStyle>
@@ -4997,6 +5063,10 @@
             <a:pPr>
               <a:defRPr/>
             </a:pPr>
+            <a:fld id="{55D169A4-2A5A-4DB5-B1DA-E2C5BD98652F}" type="datetime1">
+              <a:rPr lang="en-US" altLang="en-US" smtClean="0"/>
+              <a:t>12/3/2013</a:t>
+            </a:fld>
             <a:endParaRPr lang="en-US" altLang="en-US"/>
           </a:p>
         </p:txBody>
@@ -5011,7 +5081,12 @@
             <p:ph type="ftr" idx="11"/>
           </p:nvPr>
         </p:nvSpPr>
-        <p:spPr/>
+        <p:spPr>
+          <a:xfrm>
+            <a:off x="3437731" y="7210425"/>
+            <a:ext cx="3184525" cy="511175"/>
+          </a:xfrm>
+        </p:spPr>
         <p:txBody>
           <a:bodyPr/>
           <a:lstStyle>
@@ -5023,7 +5098,11 @@
             <a:pPr>
               <a:defRPr/>
             </a:pPr>
-            <a:endParaRPr lang="en-US" altLang="en-US"/>
+            <a:r>
+              <a:rPr lang="en-US" altLang="en-US" smtClean="0"/>
+              <a:t>First Semester Presentation</a:t>
+            </a:r>
+            <a:endParaRPr lang="en-US" altLang="en-US" dirty="0"/>
           </a:p>
         </p:txBody>
       </p:sp>
@@ -5223,6 +5302,10 @@
             <a:pPr>
               <a:defRPr/>
             </a:pPr>
+            <a:fld id="{356E7077-0158-4DAE-9516-D88B762C12BB}" type="datetime1">
+              <a:rPr lang="en-US" altLang="en-US" smtClean="0"/>
+              <a:t>12/3/2013</a:t>
+            </a:fld>
             <a:endParaRPr lang="en-US" altLang="en-US"/>
           </a:p>
         </p:txBody>
@@ -5251,6 +5334,10 @@
             <a:pPr>
               <a:defRPr/>
             </a:pPr>
+            <a:r>
+              <a:rPr lang="en-US" altLang="en-US" smtClean="0"/>
+              <a:t>First Semester Presentation</a:t>
+            </a:r>
             <a:endParaRPr lang="en-US" altLang="en-US"/>
           </a:p>
         </p:txBody>
@@ -5548,6 +5635,10 @@
             <a:pPr>
               <a:defRPr/>
             </a:pPr>
+            <a:fld id="{D3D7A5A1-4A4B-4945-AE4D-67597F68DA24}" type="datetime1">
+              <a:rPr lang="en-US" altLang="en-US" smtClean="0"/>
+              <a:t>12/3/2013</a:t>
+            </a:fld>
             <a:endParaRPr lang="en-US" altLang="en-US"/>
           </a:p>
         </p:txBody>
@@ -5576,6 +5667,10 @@
             <a:pPr>
               <a:defRPr/>
             </a:pPr>
+            <a:r>
+              <a:rPr lang="en-US" altLang="en-US" smtClean="0"/>
+              <a:t>First Semester Presentation</a:t>
+            </a:r>
             <a:endParaRPr lang="en-US" altLang="en-US"/>
           </a:p>
         </p:txBody>
@@ -6012,6 +6107,10 @@
             <a:pPr>
               <a:defRPr/>
             </a:pPr>
+            <a:fld id="{E4BD97DF-E3F2-45DF-A28E-77863C8FB35B}" type="datetime1">
+              <a:rPr lang="en-US" altLang="en-US" smtClean="0"/>
+              <a:t>12/3/2013</a:t>
+            </a:fld>
             <a:endParaRPr lang="en-US" altLang="en-US"/>
           </a:p>
         </p:txBody>
@@ -6040,6 +6139,10 @@
             <a:pPr>
               <a:defRPr/>
             </a:pPr>
+            <a:r>
+              <a:rPr lang="en-US" altLang="en-US" smtClean="0"/>
+              <a:t>First Semester Presentation</a:t>
+            </a:r>
             <a:endParaRPr lang="en-US" altLang="en-US"/>
           </a:p>
         </p:txBody>
@@ -6167,6 +6270,10 @@
             <a:pPr>
               <a:defRPr/>
             </a:pPr>
+            <a:fld id="{24372F56-4CCB-4108-B1F7-39A3297F75C5}" type="datetime1">
+              <a:rPr lang="en-US" altLang="en-US" smtClean="0"/>
+              <a:t>12/3/2013</a:t>
+            </a:fld>
             <a:endParaRPr lang="en-US" altLang="en-US"/>
           </a:p>
         </p:txBody>
@@ -6195,6 +6302,10 @@
             <a:pPr>
               <a:defRPr/>
             </a:pPr>
+            <a:r>
+              <a:rPr lang="en-US" altLang="en-US" smtClean="0"/>
+              <a:t>First Semester Presentation</a:t>
+            </a:r>
             <a:endParaRPr lang="en-US" altLang="en-US"/>
           </a:p>
         </p:txBody>
@@ -6285,7 +6396,12 @@
             <p:ph type="dt" idx="10"/>
           </p:nvPr>
         </p:nvSpPr>
-        <p:spPr/>
+        <p:spPr>
+          <a:xfrm>
+            <a:off x="389731" y="7210425"/>
+            <a:ext cx="2338387" cy="511175"/>
+          </a:xfrm>
+        </p:spPr>
         <p:txBody>
           <a:bodyPr/>
           <a:lstStyle>
@@ -6297,6 +6413,10 @@
             <a:pPr>
               <a:defRPr/>
             </a:pPr>
+            <a:fld id="{BD456891-CBEC-4DEF-BB68-49BB12CB61CE}" type="datetime1">
+              <a:rPr lang="en-US" altLang="en-US" smtClean="0"/>
+              <a:t>12/3/2013</a:t>
+            </a:fld>
             <a:endParaRPr lang="en-US" altLang="en-US"/>
           </a:p>
         </p:txBody>
@@ -6311,7 +6431,12 @@
             <p:ph type="ftr" idx="11"/>
           </p:nvPr>
         </p:nvSpPr>
-        <p:spPr/>
+        <p:spPr>
+          <a:xfrm>
+            <a:off x="3437731" y="7210425"/>
+            <a:ext cx="3184525" cy="511175"/>
+          </a:xfrm>
+        </p:spPr>
         <p:txBody>
           <a:bodyPr/>
           <a:lstStyle>
@@ -6323,7 +6448,11 @@
             <a:pPr>
               <a:defRPr/>
             </a:pPr>
-            <a:endParaRPr lang="en-US" altLang="en-US"/>
+            <a:r>
+              <a:rPr lang="en-US" altLang="en-US" dirty="0" smtClean="0"/>
+              <a:t>First Semester Presentation</a:t>
+            </a:r>
+            <a:endParaRPr lang="en-US" altLang="en-US" dirty="0"/>
           </a:p>
         </p:txBody>
       </p:sp>
@@ -6606,6 +6735,10 @@
             <a:pPr>
               <a:defRPr/>
             </a:pPr>
+            <a:fld id="{6C475607-3D7D-451F-A684-9568CBAA8DEA}" type="datetime1">
+              <a:rPr lang="en-US" altLang="en-US" smtClean="0"/>
+              <a:t>12/3/2013</a:t>
+            </a:fld>
             <a:endParaRPr lang="en-US" altLang="en-US"/>
           </a:p>
         </p:txBody>
@@ -6632,6 +6765,10 @@
             <a:pPr>
               <a:defRPr/>
             </a:pPr>
+            <a:r>
+              <a:rPr lang="en-US" altLang="en-US" smtClean="0"/>
+              <a:t>First Semester Presentation</a:t>
+            </a:r>
             <a:endParaRPr lang="en-US" altLang="en-US"/>
           </a:p>
         </p:txBody>
@@ -6797,6 +6934,10 @@
           </p:nvPr>
         </p:nvSpPr>
         <p:spPr>
+          <a:xfrm>
+            <a:off x="465931" y="7308056"/>
+            <a:ext cx="2335212" cy="509587"/>
+          </a:xfrm>
           <a:ln/>
         </p:spPr>
         <p:txBody>
@@ -6810,6 +6951,10 @@
             <a:pPr>
               <a:defRPr/>
             </a:pPr>
+            <a:fld id="{74642ED2-E637-4EB2-BA31-69A7423728B0}" type="datetime1">
+              <a:rPr lang="en-US" altLang="en-US" smtClean="0"/>
+              <a:t>12/3/2013</a:t>
+            </a:fld>
             <a:endParaRPr lang="en-US" altLang="en-US"/>
           </a:p>
         </p:txBody>
@@ -6825,12 +6970,16 @@
           </p:nvPr>
         </p:nvSpPr>
         <p:spPr>
+          <a:xfrm>
+            <a:off x="3437731" y="7308056"/>
+            <a:ext cx="3182937" cy="509587"/>
+          </a:xfrm>
           <a:ln/>
         </p:spPr>
         <p:txBody>
           <a:bodyPr/>
           <a:lstStyle>
-            <a:lvl1pPr>
+            <a:lvl1pPr algn="ctr">
               <a:defRPr/>
             </a:lvl1pPr>
           </a:lstStyle>
@@ -6838,7 +6987,11 @@
             <a:pPr>
               <a:defRPr/>
             </a:pPr>
-            <a:endParaRPr lang="en-US" altLang="en-US"/>
+            <a:r>
+              <a:rPr lang="en-US" altLang="en-US" smtClean="0"/>
+              <a:t>First Semester Presentation</a:t>
+            </a:r>
+            <a:endParaRPr lang="en-US" altLang="en-US" dirty="0"/>
           </a:p>
         </p:txBody>
       </p:sp>
@@ -7097,6 +7250,10 @@
             <a:pPr>
               <a:defRPr/>
             </a:pPr>
+            <a:fld id="{5DA8DE8A-97B1-4443-B52F-2689C386A2DD}" type="datetime1">
+              <a:rPr lang="en-US" altLang="en-US" smtClean="0"/>
+              <a:t>12/3/2013</a:t>
+            </a:fld>
             <a:endParaRPr lang="en-US" altLang="en-US"/>
           </a:p>
         </p:txBody>
@@ -7125,6 +7282,10 @@
             <a:pPr>
               <a:defRPr/>
             </a:pPr>
+            <a:r>
+              <a:rPr lang="en-US" altLang="en-US" smtClean="0"/>
+              <a:t>First Semester Presentation</a:t>
+            </a:r>
             <a:endParaRPr lang="en-US" altLang="en-US"/>
           </a:p>
         </p:txBody>
@@ -7238,7 +7399,12 @@
             <p:ph type="body" orient="vert" idx="1"/>
           </p:nvPr>
         </p:nvSpPr>
-        <p:spPr/>
+        <p:spPr>
+          <a:xfrm>
+            <a:off x="618331" y="1647825"/>
+            <a:ext cx="9058275" cy="4981575"/>
+          </a:xfrm>
+        </p:spPr>
         <p:txBody>
           <a:bodyPr vert="eaVert"/>
           <a:lstStyle/>
@@ -7307,6 +7473,10 @@
             <a:pPr>
               <a:defRPr/>
             </a:pPr>
+            <a:fld id="{BA1FDC65-5C38-4B9C-84DA-AD893627B680}" type="datetime1">
+              <a:rPr lang="en-US" altLang="en-US" smtClean="0"/>
+              <a:t>12/3/2013</a:t>
+            </a:fld>
             <a:endParaRPr lang="en-US" altLang="en-US" dirty="0"/>
           </a:p>
         </p:txBody>
@@ -7321,7 +7491,12 @@
             <p:ph type="ftr" idx="11"/>
           </p:nvPr>
         </p:nvSpPr>
-        <p:spPr/>
+        <p:spPr>
+          <a:xfrm>
+            <a:off x="3437731" y="7210425"/>
+            <a:ext cx="3184525" cy="511175"/>
+          </a:xfrm>
+        </p:spPr>
         <p:txBody>
           <a:bodyPr/>
           <a:lstStyle>
@@ -7333,6 +7508,10 @@
             <a:pPr>
               <a:defRPr/>
             </a:pPr>
+            <a:r>
+              <a:rPr lang="en-US" altLang="en-US" dirty="0" smtClean="0"/>
+              <a:t>First Semester Presentation</a:t>
+            </a:r>
             <a:endParaRPr lang="en-US" altLang="en-US" dirty="0"/>
           </a:p>
         </p:txBody>
@@ -7521,6 +7700,10 @@
             <a:pPr>
               <a:defRPr/>
             </a:pPr>
+            <a:fld id="{1F276C1B-CE6E-410B-AF85-59FF2E51DC6A}" type="datetime1">
+              <a:rPr lang="en-US" altLang="en-US" smtClean="0"/>
+              <a:t>12/3/2013</a:t>
+            </a:fld>
             <a:endParaRPr lang="en-US" altLang="en-US"/>
           </a:p>
         </p:txBody>
@@ -7549,6 +7732,10 @@
             <a:pPr>
               <a:defRPr/>
             </a:pPr>
+            <a:r>
+              <a:rPr lang="en-US" altLang="en-US" smtClean="0"/>
+              <a:t>First Semester Presentation</a:t>
+            </a:r>
             <a:endParaRPr lang="en-US" altLang="en-US"/>
           </a:p>
         </p:txBody>
@@ -7857,6 +8044,10 @@
           </p:nvPr>
         </p:nvSpPr>
         <p:spPr>
+          <a:xfrm>
+            <a:off x="465931" y="7210425"/>
+            <a:ext cx="2335212" cy="509587"/>
+          </a:xfrm>
           <a:ln/>
         </p:spPr>
         <p:txBody>
@@ -7870,6 +8061,10 @@
             <a:pPr>
               <a:defRPr/>
             </a:pPr>
+            <a:fld id="{3914992F-7243-4D7D-B98C-CB6E16225B71}" type="datetime1">
+              <a:rPr lang="en-US" altLang="en-US" smtClean="0"/>
+              <a:t>12/3/2013</a:t>
+            </a:fld>
             <a:endParaRPr lang="en-US" altLang="en-US"/>
           </a:p>
         </p:txBody>
@@ -7885,6 +8080,10 @@
           </p:nvPr>
         </p:nvSpPr>
         <p:spPr>
+          <a:xfrm>
+            <a:off x="3437731" y="7308056"/>
+            <a:ext cx="3182937" cy="509587"/>
+          </a:xfrm>
           <a:ln/>
         </p:spPr>
         <p:txBody>
@@ -7898,6 +8097,10 @@
             <a:pPr>
               <a:defRPr/>
             </a:pPr>
+            <a:r>
+              <a:rPr lang="en-US" altLang="en-US" smtClean="0"/>
+              <a:t>First Semester Presentation</a:t>
+            </a:r>
             <a:endParaRPr lang="en-US" altLang="en-US"/>
           </a:p>
         </p:txBody>
@@ -8009,7 +8212,7 @@
         </p:nvSpPr>
         <p:spPr>
           <a:xfrm>
-            <a:off x="503238" y="1768475"/>
+            <a:off x="465931" y="1800225"/>
             <a:ext cx="4451350" cy="4979988"/>
           </a:xfrm>
         </p:spPr>
@@ -8178,6 +8381,10 @@
           </p:nvPr>
         </p:nvSpPr>
         <p:spPr>
+          <a:xfrm>
+            <a:off x="465931" y="7210425"/>
+            <a:ext cx="2335212" cy="509587"/>
+          </a:xfrm>
           <a:ln/>
         </p:spPr>
         <p:txBody>
@@ -8191,6 +8398,10 @@
             <a:pPr>
               <a:defRPr/>
             </a:pPr>
+            <a:fld id="{47FAB411-6780-427C-BD7F-2E0101F461D9}" type="datetime1">
+              <a:rPr lang="en-US" altLang="en-US" smtClean="0"/>
+              <a:t>12/3/2013</a:t>
+            </a:fld>
             <a:endParaRPr lang="en-US" altLang="en-US"/>
           </a:p>
         </p:txBody>
@@ -8206,6 +8417,10 @@
           </p:nvPr>
         </p:nvSpPr>
         <p:spPr>
+          <a:xfrm>
+            <a:off x="3437731" y="7210425"/>
+            <a:ext cx="3182937" cy="509587"/>
+          </a:xfrm>
           <a:ln/>
         </p:spPr>
         <p:txBody>
@@ -8219,6 +8434,10 @@
             <a:pPr>
               <a:defRPr/>
             </a:pPr>
+            <a:r>
+              <a:rPr lang="en-US" altLang="en-US" smtClean="0"/>
+              <a:t>First Semester Presentation</a:t>
+            </a:r>
             <a:endParaRPr lang="en-US" altLang="en-US"/>
           </a:p>
         </p:txBody>
@@ -8404,7 +8623,7 @@
         </p:nvSpPr>
         <p:spPr>
           <a:xfrm>
-            <a:off x="503238" y="2398718"/>
+            <a:off x="465931" y="2409825"/>
             <a:ext cx="4452938" cy="4357687"/>
           </a:xfrm>
         </p:spPr>
@@ -8638,6 +8857,10 @@
           </p:nvPr>
         </p:nvSpPr>
         <p:spPr>
+          <a:xfrm>
+            <a:off x="465931" y="7210425"/>
+            <a:ext cx="2335212" cy="509587"/>
+          </a:xfrm>
           <a:ln/>
         </p:spPr>
         <p:txBody>
@@ -8651,6 +8874,10 @@
             <a:pPr>
               <a:defRPr/>
             </a:pPr>
+            <a:fld id="{04C3CAEC-8E0D-419D-94AE-26B639460AE9}" type="datetime1">
+              <a:rPr lang="en-US" altLang="en-US" smtClean="0"/>
+              <a:t>12/3/2013</a:t>
+            </a:fld>
             <a:endParaRPr lang="en-US" altLang="en-US"/>
           </a:p>
         </p:txBody>
@@ -8666,6 +8893,10 @@
           </p:nvPr>
         </p:nvSpPr>
         <p:spPr>
+          <a:xfrm>
+            <a:off x="3437731" y="7210425"/>
+            <a:ext cx="3182937" cy="509587"/>
+          </a:xfrm>
           <a:ln/>
         </p:spPr>
         <p:txBody>
@@ -8679,6 +8910,10 @@
             <a:pPr>
               <a:defRPr/>
             </a:pPr>
+            <a:r>
+              <a:rPr lang="en-US" altLang="en-US" smtClean="0"/>
+              <a:t>First Semester Presentation</a:t>
+            </a:r>
             <a:endParaRPr lang="en-US" altLang="en-US"/>
           </a:p>
         </p:txBody>
@@ -8789,6 +9024,10 @@
           </p:nvPr>
         </p:nvSpPr>
         <p:spPr>
+          <a:xfrm>
+            <a:off x="465931" y="7308056"/>
+            <a:ext cx="2335212" cy="509587"/>
+          </a:xfrm>
           <a:ln/>
         </p:spPr>
         <p:txBody>
@@ -8802,6 +9041,10 @@
             <a:pPr>
               <a:defRPr/>
             </a:pPr>
+            <a:fld id="{20FFF5DE-1546-4972-8C72-BDC0775AE688}" type="datetime1">
+              <a:rPr lang="en-US" altLang="en-US" smtClean="0"/>
+              <a:t>12/3/2013</a:t>
+            </a:fld>
             <a:endParaRPr lang="en-US" altLang="en-US"/>
           </a:p>
         </p:txBody>
@@ -8817,6 +9060,10 @@
           </p:nvPr>
         </p:nvSpPr>
         <p:spPr>
+          <a:xfrm>
+            <a:off x="3437731" y="7210425"/>
+            <a:ext cx="3182937" cy="509587"/>
+          </a:xfrm>
           <a:ln/>
         </p:spPr>
         <p:txBody>
@@ -8830,6 +9077,10 @@
             <a:pPr>
               <a:defRPr/>
             </a:pPr>
+            <a:r>
+              <a:rPr lang="en-US" altLang="en-US" smtClean="0"/>
+              <a:t>First Semester Presentation</a:t>
+            </a:r>
             <a:endParaRPr lang="en-US" altLang="en-US"/>
           </a:p>
         </p:txBody>
@@ -8917,6 +9168,10 @@
           </p:nvPr>
         </p:nvSpPr>
         <p:spPr>
+          <a:xfrm>
+            <a:off x="465931" y="7210425"/>
+            <a:ext cx="2335212" cy="509587"/>
+          </a:xfrm>
           <a:ln/>
         </p:spPr>
         <p:txBody>
@@ -8930,6 +9185,10 @@
             <a:pPr>
               <a:defRPr/>
             </a:pPr>
+            <a:fld id="{ADD1EE69-C675-44DF-B8BE-4F1C600A2E74}" type="datetime1">
+              <a:rPr lang="en-US" altLang="en-US" smtClean="0"/>
+              <a:t>12/3/2013</a:t>
+            </a:fld>
             <a:endParaRPr lang="en-US" altLang="en-US"/>
           </a:p>
         </p:txBody>
@@ -8945,6 +9204,10 @@
           </p:nvPr>
         </p:nvSpPr>
         <p:spPr>
+          <a:xfrm>
+            <a:off x="3437731" y="7210425"/>
+            <a:ext cx="3182937" cy="509587"/>
+          </a:xfrm>
           <a:ln/>
         </p:spPr>
         <p:txBody>
@@ -8958,6 +9221,10 @@
             <a:pPr>
               <a:defRPr/>
             </a:pPr>
+            <a:r>
+              <a:rPr lang="en-US" altLang="en-US" smtClean="0"/>
+              <a:t>First Semester Presentation</a:t>
+            </a:r>
             <a:endParaRPr lang="en-US" altLang="en-US"/>
           </a:p>
         </p:txBody>
@@ -9163,7 +9430,7 @@
         </p:nvSpPr>
         <p:spPr>
           <a:xfrm>
-            <a:off x="503238" y="1582738"/>
+            <a:off x="465931" y="1571625"/>
             <a:ext cx="3314700" cy="5173662"/>
           </a:xfrm>
         </p:spPr>
@@ -9227,6 +9494,10 @@
           </p:nvPr>
         </p:nvSpPr>
         <p:spPr>
+          <a:xfrm>
+            <a:off x="465931" y="7308056"/>
+            <a:ext cx="2335212" cy="509587"/>
+          </a:xfrm>
           <a:ln/>
         </p:spPr>
         <p:txBody>
@@ -9240,6 +9511,10 @@
             <a:pPr>
               <a:defRPr/>
             </a:pPr>
+            <a:fld id="{4DAA496C-464B-44C4-8DD1-5088169B87B2}" type="datetime1">
+              <a:rPr lang="en-US" altLang="en-US" smtClean="0"/>
+              <a:t>12/3/2013</a:t>
+            </a:fld>
             <a:endParaRPr lang="en-US" altLang="en-US"/>
           </a:p>
         </p:txBody>
@@ -9255,6 +9530,10 @@
           </p:nvPr>
         </p:nvSpPr>
         <p:spPr>
+          <a:xfrm>
+            <a:off x="3437731" y="7210425"/>
+            <a:ext cx="3182937" cy="509587"/>
+          </a:xfrm>
           <a:ln/>
         </p:spPr>
         <p:txBody>
@@ -9268,6 +9547,10 @@
             <a:pPr>
               <a:defRPr/>
             </a:pPr>
+            <a:r>
+              <a:rPr lang="en-US" altLang="en-US" smtClean="0"/>
+              <a:t>First Semester Presentation</a:t>
+            </a:r>
             <a:endParaRPr lang="en-US" altLang="en-US"/>
           </a:p>
         </p:txBody>
@@ -9514,6 +9797,10 @@
           </p:nvPr>
         </p:nvSpPr>
         <p:spPr>
+          <a:xfrm>
+            <a:off x="465931" y="7210425"/>
+            <a:ext cx="2335212" cy="509587"/>
+          </a:xfrm>
           <a:ln/>
         </p:spPr>
         <p:txBody>
@@ -9527,6 +9814,10 @@
             <a:pPr>
               <a:defRPr/>
             </a:pPr>
+            <a:fld id="{CF79FC19-F980-4813-A179-F36A9C5EA2D2}" type="datetime1">
+              <a:rPr lang="en-US" altLang="en-US" smtClean="0"/>
+              <a:t>12/3/2013</a:t>
+            </a:fld>
             <a:endParaRPr lang="en-US" altLang="en-US"/>
           </a:p>
         </p:txBody>
@@ -9542,6 +9833,10 @@
           </p:nvPr>
         </p:nvSpPr>
         <p:spPr>
+          <a:xfrm>
+            <a:off x="3437731" y="7308056"/>
+            <a:ext cx="3182937" cy="509587"/>
+          </a:xfrm>
           <a:ln/>
         </p:spPr>
         <p:txBody>
@@ -9555,6 +9850,10 @@
             <a:pPr>
               <a:defRPr/>
             </a:pPr>
+            <a:r>
+              <a:rPr lang="en-US" altLang="en-US" smtClean="0"/>
+              <a:t>First Semester Presentation</a:t>
+            </a:r>
             <a:endParaRPr lang="en-US" altLang="en-US"/>
           </a:p>
         </p:txBody>
@@ -9620,7 +9919,9 @@
     <p:bg>
       <p:bgPr>
         <a:blipFill dpi="0" rotWithShape="0">
-          <a:blip r:embed="rId13" cstate="print"/>
+          <a:blip r:embed="rId13">
+            <a:lum/>
+          </a:blip>
           <a:srcRect/>
           <a:stretch>
             <a:fillRect/>
@@ -9723,7 +10024,7 @@
         </p:nvSpPr>
         <p:spPr bwMode="auto">
           <a:xfrm>
-            <a:off x="503241" y="1768475"/>
+            <a:off x="465931" y="1724025"/>
             <a:ext cx="9056687" cy="4979988"/>
           </a:xfrm>
           <a:prstGeom prst="rect">
@@ -9932,6 +10233,10 @@
             <a:pPr>
               <a:defRPr/>
             </a:pPr>
+            <a:fld id="{30E14057-779B-482B-87B6-EB3837DE0BED}" type="datetime1">
+              <a:rPr lang="en-US" altLang="en-US" smtClean="0"/>
+              <a:t>12/3/2013</a:t>
+            </a:fld>
             <a:endParaRPr lang="en-US" altLang="en-US"/>
           </a:p>
         </p:txBody>
@@ -10033,6 +10338,10 @@
             <a:pPr>
               <a:defRPr/>
             </a:pPr>
+            <a:r>
+              <a:rPr lang="en-US" altLang="en-US" smtClean="0"/>
+              <a:t>First Semester Presentation</a:t>
+            </a:r>
             <a:endParaRPr lang="en-US" altLang="en-US"/>
           </a:p>
         </p:txBody>
@@ -10168,7 +10477,7 @@
       </p:par>
     </p:tnLst>
   </p:timing>
-  <p:hf hdr="0" ftr="0" dt="0"/>
+  <p:hf hdr="0"/>
   <p:txStyles>
     <p:titleStyle>
       <a:lvl1pPr algn="ctr" defTabSz="457047" rtl="0" eaLnBrk="0" fontAlgn="base" hangingPunct="0">
@@ -10695,7 +11004,9 @@
     <p:bg>
       <p:bgPr>
         <a:blipFill dpi="0" rotWithShape="0">
-          <a:blip r:embed="rId14" cstate="print"/>
+          <a:blip r:embed="rId14">
+            <a:lum/>
+          </a:blip>
           <a:srcRect/>
           <a:stretch>
             <a:fillRect/>
@@ -10798,7 +11109,7 @@
         </p:nvSpPr>
         <p:spPr bwMode="auto">
           <a:xfrm>
-            <a:off x="503243" y="1768479"/>
+            <a:off x="465931" y="1724025"/>
             <a:ext cx="9058275" cy="4981575"/>
           </a:xfrm>
           <a:prstGeom prst="rect">
@@ -10922,7 +11233,7 @@
         </p:nvSpPr>
         <p:spPr bwMode="auto">
           <a:xfrm>
-            <a:off x="503240" y="6888165"/>
+            <a:off x="465931" y="7210425"/>
             <a:ext cx="2338387" cy="511175"/>
           </a:xfrm>
           <a:prstGeom prst="rect">
@@ -10993,6 +11304,10 @@
             <a:pPr>
               <a:defRPr/>
             </a:pPr>
+            <a:fld id="{9931C522-F67F-4B5B-90C6-2457EBE70F96}" type="datetime1">
+              <a:rPr lang="en-US" altLang="en-US" smtClean="0"/>
+              <a:t>12/3/2013</a:t>
+            </a:fld>
             <a:endParaRPr lang="en-US" altLang="en-US"/>
           </a:p>
         </p:txBody>
@@ -11009,7 +11324,7 @@
         </p:nvSpPr>
         <p:spPr bwMode="auto">
           <a:xfrm>
-            <a:off x="3446468" y="6888165"/>
+            <a:off x="3437731" y="7210425"/>
             <a:ext cx="3184525" cy="511175"/>
           </a:xfrm>
           <a:prstGeom prst="rect">
@@ -11081,6 +11396,10 @@
             <a:pPr>
               <a:defRPr/>
             </a:pPr>
+            <a:r>
+              <a:rPr lang="en-US" altLang="en-US" smtClean="0"/>
+              <a:t>First Semester Presentation</a:t>
+            </a:r>
             <a:endParaRPr lang="en-US" altLang="en-US"/>
           </a:p>
         </p:txBody>
@@ -11203,7 +11522,7 @@
       </p:par>
     </p:tnLst>
   </p:timing>
-  <p:hf hdr="0" ftr="0" dt="0"/>
+  <p:hf hdr="0"/>
   <p:txStyles>
     <p:titleStyle>
       <a:lvl1pPr algn="ctr" defTabSz="457047" rtl="0" eaLnBrk="0" fontAlgn="base" hangingPunct="0">
@@ -12659,6 +12978,58 @@
           </a:p>
         </p:txBody>
       </p:sp>
+      <p:sp>
+        <p:nvSpPr>
+          <p:cNvPr id="3" name="Date Placeholder 2"/>
+          <p:cNvSpPr>
+            <a:spLocks noGrp="1"/>
+          </p:cNvSpPr>
+          <p:nvPr>
+            <p:ph type="dt" idx="10"/>
+          </p:nvPr>
+        </p:nvSpPr>
+        <p:spPr/>
+        <p:txBody>
+          <a:bodyPr/>
+          <a:lstStyle/>
+          <a:p>
+            <a:pPr>
+              <a:defRPr/>
+            </a:pPr>
+            <a:fld id="{63469A33-EDC1-4B4F-81B2-FFB26A0A0FEC}" type="datetime1">
+              <a:rPr lang="en-US" altLang="en-US" smtClean="0"/>
+              <a:t>12/3/2013</a:t>
+            </a:fld>
+            <a:endParaRPr lang="en-US" altLang="en-US"/>
+          </a:p>
+        </p:txBody>
+      </p:sp>
+      <p:sp>
+        <p:nvSpPr>
+          <p:cNvPr id="4" name="Footer Placeholder 3"/>
+          <p:cNvSpPr>
+            <a:spLocks noGrp="1"/>
+          </p:cNvSpPr>
+          <p:nvPr>
+            <p:ph type="ftr" idx="11"/>
+          </p:nvPr>
+        </p:nvSpPr>
+        <p:spPr/>
+        <p:txBody>
+          <a:bodyPr/>
+          <a:lstStyle/>
+          <a:p>
+            <a:pPr>
+              <a:defRPr/>
+            </a:pPr>
+            <a:r>
+              <a:rPr lang="en-US" altLang="en-US" smtClean="0"/>
+              <a:t>First Semester Presentation</a:t>
+            </a:r>
+            <a:endParaRPr lang="en-US" altLang="en-US" dirty="0"/>
+          </a:p>
+        </p:txBody>
+      </p:sp>
     </p:spTree>
   </p:cSld>
   <p:clrMapOvr>
@@ -12922,6 +13293,58 @@
           <a:noFill/>
         </p:spPr>
       </p:pic>
+      <p:sp>
+        <p:nvSpPr>
+          <p:cNvPr id="5" name="Date Placeholder 4"/>
+          <p:cNvSpPr>
+            <a:spLocks noGrp="1"/>
+          </p:cNvSpPr>
+          <p:nvPr>
+            <p:ph type="dt" idx="10"/>
+          </p:nvPr>
+        </p:nvSpPr>
+        <p:spPr/>
+        <p:txBody>
+          <a:bodyPr/>
+          <a:lstStyle/>
+          <a:p>
+            <a:pPr>
+              <a:defRPr/>
+            </a:pPr>
+            <a:fld id="{3E18486D-F20F-4E43-AF4A-B66067A113FD}" type="datetime1">
+              <a:rPr lang="en-US" altLang="en-US" smtClean="0"/>
+              <a:t>12/3/2013</a:t>
+            </a:fld>
+            <a:endParaRPr lang="en-US" altLang="en-US"/>
+          </a:p>
+        </p:txBody>
+      </p:sp>
+      <p:sp>
+        <p:nvSpPr>
+          <p:cNvPr id="6" name="Footer Placeholder 5"/>
+          <p:cNvSpPr>
+            <a:spLocks noGrp="1"/>
+          </p:cNvSpPr>
+          <p:nvPr>
+            <p:ph type="ftr" idx="11"/>
+          </p:nvPr>
+        </p:nvSpPr>
+        <p:spPr/>
+        <p:txBody>
+          <a:bodyPr/>
+          <a:lstStyle/>
+          <a:p>
+            <a:pPr>
+              <a:defRPr/>
+            </a:pPr>
+            <a:r>
+              <a:rPr lang="en-US" altLang="en-US" smtClean="0"/>
+              <a:t>First Semester Presentation</a:t>
+            </a:r>
+            <a:endParaRPr lang="en-US" altLang="en-US" dirty="0"/>
+          </a:p>
+        </p:txBody>
+      </p:sp>
     </p:spTree>
   </p:cSld>
   <p:clrMapOvr>
@@ -13317,6 +13740,58 @@
           <a:noFill/>
         </p:spPr>
       </p:pic>
+      <p:sp>
+        <p:nvSpPr>
+          <p:cNvPr id="5" name="Date Placeholder 4"/>
+          <p:cNvSpPr>
+            <a:spLocks noGrp="1"/>
+          </p:cNvSpPr>
+          <p:nvPr>
+            <p:ph type="dt" idx="10"/>
+          </p:nvPr>
+        </p:nvSpPr>
+        <p:spPr/>
+        <p:txBody>
+          <a:bodyPr/>
+          <a:lstStyle/>
+          <a:p>
+            <a:pPr>
+              <a:defRPr/>
+            </a:pPr>
+            <a:fld id="{3A8D914E-9AE6-4377-B74D-943547011A9B}" type="datetime1">
+              <a:rPr lang="en-US" altLang="en-US" smtClean="0"/>
+              <a:t>12/3/2013</a:t>
+            </a:fld>
+            <a:endParaRPr lang="en-US" altLang="en-US"/>
+          </a:p>
+        </p:txBody>
+      </p:sp>
+      <p:sp>
+        <p:nvSpPr>
+          <p:cNvPr id="6" name="Footer Placeholder 5"/>
+          <p:cNvSpPr>
+            <a:spLocks noGrp="1"/>
+          </p:cNvSpPr>
+          <p:nvPr>
+            <p:ph type="ftr" idx="11"/>
+          </p:nvPr>
+        </p:nvSpPr>
+        <p:spPr/>
+        <p:txBody>
+          <a:bodyPr/>
+          <a:lstStyle/>
+          <a:p>
+            <a:pPr>
+              <a:defRPr/>
+            </a:pPr>
+            <a:r>
+              <a:rPr lang="en-US" altLang="en-US" smtClean="0"/>
+              <a:t>First Semester Presentation</a:t>
+            </a:r>
+            <a:endParaRPr lang="en-US" altLang="en-US" dirty="0"/>
+          </a:p>
+        </p:txBody>
+      </p:sp>
     </p:spTree>
   </p:cSld>
   <p:clrMapOvr>
@@ -13555,6 +14030,58 @@
           <a:lstStyle/>
           <a:p>
             <a:endParaRPr lang="en-US"/>
+          </a:p>
+        </p:txBody>
+      </p:sp>
+      <p:sp>
+        <p:nvSpPr>
+          <p:cNvPr id="5" name="Date Placeholder 4"/>
+          <p:cNvSpPr>
+            <a:spLocks noGrp="1"/>
+          </p:cNvSpPr>
+          <p:nvPr>
+            <p:ph type="dt" idx="10"/>
+          </p:nvPr>
+        </p:nvSpPr>
+        <p:spPr/>
+        <p:txBody>
+          <a:bodyPr/>
+          <a:lstStyle/>
+          <a:p>
+            <a:pPr>
+              <a:defRPr/>
+            </a:pPr>
+            <a:fld id="{7B462294-35A1-4F72-B248-9460E3899F2E}" type="datetime1">
+              <a:rPr lang="en-US" altLang="en-US" smtClean="0"/>
+              <a:t>12/3/2013</a:t>
+            </a:fld>
+            <a:endParaRPr lang="en-US" altLang="en-US"/>
+          </a:p>
+        </p:txBody>
+      </p:sp>
+      <p:sp>
+        <p:nvSpPr>
+          <p:cNvPr id="6" name="Footer Placeholder 5"/>
+          <p:cNvSpPr>
+            <a:spLocks noGrp="1"/>
+          </p:cNvSpPr>
+          <p:nvPr>
+            <p:ph type="ftr" idx="11"/>
+          </p:nvPr>
+        </p:nvSpPr>
+        <p:spPr/>
+        <p:txBody>
+          <a:bodyPr/>
+          <a:lstStyle/>
+          <a:p>
+            <a:pPr>
+              <a:defRPr/>
+            </a:pPr>
+            <a:r>
+              <a:rPr lang="en-US" altLang="en-US" smtClean="0"/>
+              <a:t>First Semester Presentation</a:t>
+            </a:r>
+            <a:endParaRPr lang="en-US" altLang="en-US" dirty="0"/>
           </a:p>
         </p:txBody>
       </p:sp>
@@ -13796,6 +14323,58 @@
           <a:lstStyle/>
           <a:p>
             <a:endParaRPr lang="en-US"/>
+          </a:p>
+        </p:txBody>
+      </p:sp>
+      <p:sp>
+        <p:nvSpPr>
+          <p:cNvPr id="5" name="Date Placeholder 4"/>
+          <p:cNvSpPr>
+            <a:spLocks noGrp="1"/>
+          </p:cNvSpPr>
+          <p:nvPr>
+            <p:ph type="dt" idx="10"/>
+          </p:nvPr>
+        </p:nvSpPr>
+        <p:spPr/>
+        <p:txBody>
+          <a:bodyPr/>
+          <a:lstStyle/>
+          <a:p>
+            <a:pPr>
+              <a:defRPr/>
+            </a:pPr>
+            <a:fld id="{B1061E93-D8FC-4818-86E5-FA44AC17A529}" type="datetime1">
+              <a:rPr lang="en-US" altLang="en-US" smtClean="0"/>
+              <a:t>12/3/2013</a:t>
+            </a:fld>
+            <a:endParaRPr lang="en-US" altLang="en-US"/>
+          </a:p>
+        </p:txBody>
+      </p:sp>
+      <p:sp>
+        <p:nvSpPr>
+          <p:cNvPr id="6" name="Footer Placeholder 5"/>
+          <p:cNvSpPr>
+            <a:spLocks noGrp="1"/>
+          </p:cNvSpPr>
+          <p:nvPr>
+            <p:ph type="ftr" idx="11"/>
+          </p:nvPr>
+        </p:nvSpPr>
+        <p:spPr/>
+        <p:txBody>
+          <a:bodyPr/>
+          <a:lstStyle/>
+          <a:p>
+            <a:pPr>
+              <a:defRPr/>
+            </a:pPr>
+            <a:r>
+              <a:rPr lang="en-US" altLang="en-US" smtClean="0"/>
+              <a:t>First Semester Presentation</a:t>
+            </a:r>
+            <a:endParaRPr lang="en-US" altLang="en-US" dirty="0"/>
           </a:p>
         </p:txBody>
       </p:sp>
@@ -13965,11 +14544,11 @@
   <p:clrMapOvr>
     <a:masterClrMapping/>
   </p:clrMapOvr>
-  <mc:AlternateContent xmlns:mc="http://schemas.openxmlformats.org/markup-compatibility/2006">
-    <mc:Choice xmlns:p14="http://schemas.microsoft.com/office/powerpoint/2010/main" Requires="p14">
+  <mc:AlternateContent xmlns:mc="http://schemas.openxmlformats.org/markup-compatibility/2006" xmlns:p14="http://schemas.microsoft.com/office/powerpoint/2010/main">
+    <mc:Choice Requires="p14">
       <p:transition spd="slow" p14:dur="2000" advTm="1250"/>
     </mc:Choice>
-    <mc:Fallback>
+    <mc:Fallback xmlns="">
       <p:transition spd="slow" advTm="1250"/>
     </mc:Fallback>
   </mc:AlternateContent>
@@ -14149,6 +14728,58 @@
           <a:lstStyle/>
           <a:p>
             <a:endParaRPr lang="en-US"/>
+          </a:p>
+        </p:txBody>
+      </p:sp>
+      <p:sp>
+        <p:nvSpPr>
+          <p:cNvPr id="5" name="Date Placeholder 4"/>
+          <p:cNvSpPr>
+            <a:spLocks noGrp="1"/>
+          </p:cNvSpPr>
+          <p:nvPr>
+            <p:ph type="dt" idx="10"/>
+          </p:nvPr>
+        </p:nvSpPr>
+        <p:spPr/>
+        <p:txBody>
+          <a:bodyPr/>
+          <a:lstStyle/>
+          <a:p>
+            <a:pPr>
+              <a:defRPr/>
+            </a:pPr>
+            <a:fld id="{786725C5-FC83-40A1-904C-5DAE3EF0A179}" type="datetime1">
+              <a:rPr lang="en-US" altLang="en-US" smtClean="0"/>
+              <a:t>12/3/2013</a:t>
+            </a:fld>
+            <a:endParaRPr lang="en-US" altLang="en-US"/>
+          </a:p>
+        </p:txBody>
+      </p:sp>
+      <p:sp>
+        <p:nvSpPr>
+          <p:cNvPr id="6" name="Footer Placeholder 5"/>
+          <p:cNvSpPr>
+            <a:spLocks noGrp="1"/>
+          </p:cNvSpPr>
+          <p:nvPr>
+            <p:ph type="ftr" idx="11"/>
+          </p:nvPr>
+        </p:nvSpPr>
+        <p:spPr/>
+        <p:txBody>
+          <a:bodyPr/>
+          <a:lstStyle/>
+          <a:p>
+            <a:pPr>
+              <a:defRPr/>
+            </a:pPr>
+            <a:r>
+              <a:rPr lang="en-US" altLang="en-US" smtClean="0"/>
+              <a:t>First Semester Presentation</a:t>
+            </a:r>
+            <a:endParaRPr lang="en-US" altLang="en-US" dirty="0"/>
           </a:p>
         </p:txBody>
       </p:sp>
@@ -14772,6 +15403,58 @@
               </a:pPr>
               <a:t>16</a:t>
             </a:fld>
+            <a:endParaRPr lang="en-US" altLang="en-US" dirty="0"/>
+          </a:p>
+        </p:txBody>
+      </p:sp>
+      <p:sp>
+        <p:nvSpPr>
+          <p:cNvPr id="2" name="Date Placeholder 1"/>
+          <p:cNvSpPr>
+            <a:spLocks noGrp="1"/>
+          </p:cNvSpPr>
+          <p:nvPr>
+            <p:ph type="dt" idx="10"/>
+          </p:nvPr>
+        </p:nvSpPr>
+        <p:spPr/>
+        <p:txBody>
+          <a:bodyPr/>
+          <a:lstStyle/>
+          <a:p>
+            <a:pPr>
+              <a:defRPr/>
+            </a:pPr>
+            <a:fld id="{0B372120-AF3D-4FC2-B7E6-261AB0F957A5}" type="datetime1">
+              <a:rPr lang="en-US" altLang="en-US" smtClean="0"/>
+              <a:t>12/3/2013</a:t>
+            </a:fld>
+            <a:endParaRPr lang="en-US" altLang="en-US"/>
+          </a:p>
+        </p:txBody>
+      </p:sp>
+      <p:sp>
+        <p:nvSpPr>
+          <p:cNvPr id="3" name="Footer Placeholder 2"/>
+          <p:cNvSpPr>
+            <a:spLocks noGrp="1"/>
+          </p:cNvSpPr>
+          <p:nvPr>
+            <p:ph type="ftr" idx="11"/>
+          </p:nvPr>
+        </p:nvSpPr>
+        <p:spPr/>
+        <p:txBody>
+          <a:bodyPr/>
+          <a:lstStyle/>
+          <a:p>
+            <a:pPr>
+              <a:defRPr/>
+            </a:pPr>
+            <a:r>
+              <a:rPr lang="en-US" altLang="en-US" smtClean="0"/>
+              <a:t>First Semester Presentation</a:t>
+            </a:r>
             <a:endParaRPr lang="en-US" altLang="en-US" dirty="0"/>
           </a:p>
         </p:txBody>
@@ -15230,6 +15913,58 @@
           </a:p>
         </p:txBody>
       </p:sp>
+      <p:sp>
+        <p:nvSpPr>
+          <p:cNvPr id="2" name="Date Placeholder 1"/>
+          <p:cNvSpPr>
+            <a:spLocks noGrp="1"/>
+          </p:cNvSpPr>
+          <p:nvPr>
+            <p:ph type="dt" idx="10"/>
+          </p:nvPr>
+        </p:nvSpPr>
+        <p:spPr/>
+        <p:txBody>
+          <a:bodyPr/>
+          <a:lstStyle/>
+          <a:p>
+            <a:pPr>
+              <a:defRPr/>
+            </a:pPr>
+            <a:fld id="{2D5225FF-40CA-447B-BE65-3A693ADCFA5D}" type="datetime1">
+              <a:rPr lang="en-US" altLang="en-US" smtClean="0"/>
+              <a:t>12/3/2013</a:t>
+            </a:fld>
+            <a:endParaRPr lang="en-US" altLang="en-US"/>
+          </a:p>
+        </p:txBody>
+      </p:sp>
+      <p:sp>
+        <p:nvSpPr>
+          <p:cNvPr id="3" name="Footer Placeholder 2"/>
+          <p:cNvSpPr>
+            <a:spLocks noGrp="1"/>
+          </p:cNvSpPr>
+          <p:nvPr>
+            <p:ph type="ftr" idx="11"/>
+          </p:nvPr>
+        </p:nvSpPr>
+        <p:spPr/>
+        <p:txBody>
+          <a:bodyPr/>
+          <a:lstStyle/>
+          <a:p>
+            <a:pPr>
+              <a:defRPr/>
+            </a:pPr>
+            <a:r>
+              <a:rPr lang="en-US" altLang="en-US" smtClean="0"/>
+              <a:t>First Semester Presentation</a:t>
+            </a:r>
+            <a:endParaRPr lang="en-US" altLang="en-US" dirty="0"/>
+          </a:p>
+        </p:txBody>
+      </p:sp>
     </p:spTree>
     <p:extLst>
       <p:ext uri="{BB962C8B-B14F-4D97-AF65-F5344CB8AC3E}">
@@ -15656,6 +16391,58 @@
               </a:pPr>
               <a:t>18</a:t>
             </a:fld>
+            <a:endParaRPr lang="en-US" altLang="en-US" dirty="0"/>
+          </a:p>
+        </p:txBody>
+      </p:sp>
+      <p:sp>
+        <p:nvSpPr>
+          <p:cNvPr id="2" name="Date Placeholder 1"/>
+          <p:cNvSpPr>
+            <a:spLocks noGrp="1"/>
+          </p:cNvSpPr>
+          <p:nvPr>
+            <p:ph type="dt" idx="10"/>
+          </p:nvPr>
+        </p:nvSpPr>
+        <p:spPr/>
+        <p:txBody>
+          <a:bodyPr/>
+          <a:lstStyle/>
+          <a:p>
+            <a:pPr>
+              <a:defRPr/>
+            </a:pPr>
+            <a:fld id="{EBF97ED6-6DA9-49B5-B5C0-145059E009DA}" type="datetime1">
+              <a:rPr lang="en-US" altLang="en-US" smtClean="0"/>
+              <a:t>12/3/2013</a:t>
+            </a:fld>
+            <a:endParaRPr lang="en-US" altLang="en-US"/>
+          </a:p>
+        </p:txBody>
+      </p:sp>
+      <p:sp>
+        <p:nvSpPr>
+          <p:cNvPr id="3" name="Footer Placeholder 2"/>
+          <p:cNvSpPr>
+            <a:spLocks noGrp="1"/>
+          </p:cNvSpPr>
+          <p:nvPr>
+            <p:ph type="ftr" idx="11"/>
+          </p:nvPr>
+        </p:nvSpPr>
+        <p:spPr/>
+        <p:txBody>
+          <a:bodyPr/>
+          <a:lstStyle/>
+          <a:p>
+            <a:pPr>
+              <a:defRPr/>
+            </a:pPr>
+            <a:r>
+              <a:rPr lang="en-US" altLang="en-US" smtClean="0"/>
+              <a:t>First Semester Presentation</a:t>
+            </a:r>
             <a:endParaRPr lang="en-US" altLang="en-US" dirty="0"/>
           </a:p>
         </p:txBody>
@@ -16149,6 +16936,58 @@
           </a:p>
         </p:txBody>
       </p:sp>
+      <p:sp>
+        <p:nvSpPr>
+          <p:cNvPr id="2" name="Date Placeholder 1"/>
+          <p:cNvSpPr>
+            <a:spLocks noGrp="1"/>
+          </p:cNvSpPr>
+          <p:nvPr>
+            <p:ph type="dt" idx="10"/>
+          </p:nvPr>
+        </p:nvSpPr>
+        <p:spPr/>
+        <p:txBody>
+          <a:bodyPr/>
+          <a:lstStyle/>
+          <a:p>
+            <a:pPr>
+              <a:defRPr/>
+            </a:pPr>
+            <a:fld id="{B7A8A568-43A4-4D0F-B708-1E19CC914B71}" type="datetime1">
+              <a:rPr lang="en-US" altLang="en-US" smtClean="0"/>
+              <a:t>12/3/2013</a:t>
+            </a:fld>
+            <a:endParaRPr lang="en-US" altLang="en-US"/>
+          </a:p>
+        </p:txBody>
+      </p:sp>
+      <p:sp>
+        <p:nvSpPr>
+          <p:cNvPr id="3" name="Footer Placeholder 2"/>
+          <p:cNvSpPr>
+            <a:spLocks noGrp="1"/>
+          </p:cNvSpPr>
+          <p:nvPr>
+            <p:ph type="ftr" idx="11"/>
+          </p:nvPr>
+        </p:nvSpPr>
+        <p:spPr/>
+        <p:txBody>
+          <a:bodyPr/>
+          <a:lstStyle/>
+          <a:p>
+            <a:pPr>
+              <a:defRPr/>
+            </a:pPr>
+            <a:r>
+              <a:rPr lang="en-US" altLang="en-US" smtClean="0"/>
+              <a:t>First Semester Presentation</a:t>
+            </a:r>
+            <a:endParaRPr lang="en-US" altLang="en-US" dirty="0"/>
+          </a:p>
+        </p:txBody>
+      </p:sp>
     </p:spTree>
     <p:extLst>
       <p:ext uri="{BB962C8B-B14F-4D97-AF65-F5344CB8AC3E}">
@@ -16333,11 +17172,11 @@
   <p:clrMapOvr>
     <a:masterClrMapping/>
   </p:clrMapOvr>
-  <mc:AlternateContent xmlns:mc="http://schemas.openxmlformats.org/markup-compatibility/2006">
-    <mc:Choice xmlns:p14="http://schemas.microsoft.com/office/powerpoint/2010/main" Requires="p14">
+  <mc:AlternateContent xmlns:mc="http://schemas.openxmlformats.org/markup-compatibility/2006" xmlns:p14="http://schemas.microsoft.com/office/powerpoint/2010/main">
+    <mc:Choice Requires="p14">
       <p:transition spd="slow" p14:dur="2000" advTm="1250"/>
     </mc:Choice>
-    <mc:Fallback>
+    <mc:Fallback xmlns="">
       <p:transition spd="slow" advTm="1250"/>
     </mc:Fallback>
   </mc:AlternateContent>
@@ -16449,6 +17288,58 @@
               </a:pPr>
               <a:t>20</a:t>
             </a:fld>
+            <a:endParaRPr lang="en-US" altLang="en-US" dirty="0"/>
+          </a:p>
+        </p:txBody>
+      </p:sp>
+      <p:sp>
+        <p:nvSpPr>
+          <p:cNvPr id="5" name="Date Placeholder 4"/>
+          <p:cNvSpPr>
+            <a:spLocks noGrp="1"/>
+          </p:cNvSpPr>
+          <p:nvPr>
+            <p:ph type="dt" idx="10"/>
+          </p:nvPr>
+        </p:nvSpPr>
+        <p:spPr/>
+        <p:txBody>
+          <a:bodyPr/>
+          <a:lstStyle/>
+          <a:p>
+            <a:pPr>
+              <a:defRPr/>
+            </a:pPr>
+            <a:fld id="{2D996814-A3DC-439E-B8E6-93802D2C8AED}" type="datetime1">
+              <a:rPr lang="en-US" altLang="en-US" smtClean="0"/>
+              <a:t>12/3/2013</a:t>
+            </a:fld>
+            <a:endParaRPr lang="en-US" altLang="en-US"/>
+          </a:p>
+        </p:txBody>
+      </p:sp>
+      <p:sp>
+        <p:nvSpPr>
+          <p:cNvPr id="6" name="Footer Placeholder 5"/>
+          <p:cNvSpPr>
+            <a:spLocks noGrp="1"/>
+          </p:cNvSpPr>
+          <p:nvPr>
+            <p:ph type="ftr" idx="11"/>
+          </p:nvPr>
+        </p:nvSpPr>
+        <p:spPr/>
+        <p:txBody>
+          <a:bodyPr/>
+          <a:lstStyle/>
+          <a:p>
+            <a:pPr>
+              <a:defRPr/>
+            </a:pPr>
+            <a:r>
+              <a:rPr lang="en-US" altLang="en-US" smtClean="0"/>
+              <a:t>First Semester Presentation</a:t>
+            </a:r>
             <a:endParaRPr lang="en-US" altLang="en-US" dirty="0"/>
           </a:p>
         </p:txBody>
@@ -17150,6 +18041,58 @@
               </a:rPr>
               <a:t>Future work will include the construction of a power budget incorporating the consumption of all subsystems and generation during every phase of flight to ensure a net-positive power margin.</a:t>
             </a:r>
+          </a:p>
+        </p:txBody>
+      </p:sp>
+      <p:sp>
+        <p:nvSpPr>
+          <p:cNvPr id="2" name="Date Placeholder 1"/>
+          <p:cNvSpPr>
+            <a:spLocks noGrp="1"/>
+          </p:cNvSpPr>
+          <p:nvPr>
+            <p:ph type="dt" idx="10"/>
+          </p:nvPr>
+        </p:nvSpPr>
+        <p:spPr/>
+        <p:txBody>
+          <a:bodyPr/>
+          <a:lstStyle/>
+          <a:p>
+            <a:pPr>
+              <a:defRPr/>
+            </a:pPr>
+            <a:fld id="{51C6BDFC-E8F5-4CE6-B89E-A1397B134454}" type="datetime1">
+              <a:rPr lang="en-US" altLang="en-US" smtClean="0"/>
+              <a:t>12/3/2013</a:t>
+            </a:fld>
+            <a:endParaRPr lang="en-US" altLang="en-US"/>
+          </a:p>
+        </p:txBody>
+      </p:sp>
+      <p:sp>
+        <p:nvSpPr>
+          <p:cNvPr id="3" name="Footer Placeholder 2"/>
+          <p:cNvSpPr>
+            <a:spLocks noGrp="1"/>
+          </p:cNvSpPr>
+          <p:nvPr>
+            <p:ph type="ftr" idx="11"/>
+          </p:nvPr>
+        </p:nvSpPr>
+        <p:spPr/>
+        <p:txBody>
+          <a:bodyPr/>
+          <a:lstStyle/>
+          <a:p>
+            <a:pPr>
+              <a:defRPr/>
+            </a:pPr>
+            <a:r>
+              <a:rPr lang="en-US" altLang="en-US" smtClean="0"/>
+              <a:t>First Semester Presentation</a:t>
+            </a:r>
+            <a:endParaRPr lang="en-US" altLang="en-US" dirty="0"/>
           </a:p>
         </p:txBody>
       </p:sp>
@@ -17402,6 +18345,58 @@
           </a:p>
         </p:txBody>
       </p:sp>
+      <p:sp>
+        <p:nvSpPr>
+          <p:cNvPr id="5" name="Date Placeholder 4"/>
+          <p:cNvSpPr>
+            <a:spLocks noGrp="1"/>
+          </p:cNvSpPr>
+          <p:nvPr>
+            <p:ph type="dt" idx="10"/>
+          </p:nvPr>
+        </p:nvSpPr>
+        <p:spPr/>
+        <p:txBody>
+          <a:bodyPr/>
+          <a:lstStyle/>
+          <a:p>
+            <a:pPr>
+              <a:defRPr/>
+            </a:pPr>
+            <a:fld id="{B7803607-16E7-48B0-AAF3-D791256C0826}" type="datetime1">
+              <a:rPr lang="en-US" altLang="en-US" smtClean="0"/>
+              <a:t>12/3/2013</a:t>
+            </a:fld>
+            <a:endParaRPr lang="en-US" altLang="en-US"/>
+          </a:p>
+        </p:txBody>
+      </p:sp>
+      <p:sp>
+        <p:nvSpPr>
+          <p:cNvPr id="6" name="Footer Placeholder 5"/>
+          <p:cNvSpPr>
+            <a:spLocks noGrp="1"/>
+          </p:cNvSpPr>
+          <p:nvPr>
+            <p:ph type="ftr" idx="11"/>
+          </p:nvPr>
+        </p:nvSpPr>
+        <p:spPr/>
+        <p:txBody>
+          <a:bodyPr/>
+          <a:lstStyle/>
+          <a:p>
+            <a:pPr>
+              <a:defRPr/>
+            </a:pPr>
+            <a:r>
+              <a:rPr lang="en-US" altLang="en-US" smtClean="0"/>
+              <a:t>First Semester Presentation</a:t>
+            </a:r>
+            <a:endParaRPr lang="en-US" altLang="en-US" dirty="0"/>
+          </a:p>
+        </p:txBody>
+      </p:sp>
     </p:spTree>
     <p:extLst>
       <p:ext uri="{BB962C8B-B14F-4D97-AF65-F5344CB8AC3E}">
@@ -17636,6 +18631,58 @@
               </a:pPr>
               <a:t>23</a:t>
             </a:fld>
+            <a:endParaRPr lang="en-US" altLang="en-US" dirty="0"/>
+          </a:p>
+        </p:txBody>
+      </p:sp>
+      <p:sp>
+        <p:nvSpPr>
+          <p:cNvPr id="5" name="Date Placeholder 4"/>
+          <p:cNvSpPr>
+            <a:spLocks noGrp="1"/>
+          </p:cNvSpPr>
+          <p:nvPr>
+            <p:ph type="dt" idx="10"/>
+          </p:nvPr>
+        </p:nvSpPr>
+        <p:spPr/>
+        <p:txBody>
+          <a:bodyPr/>
+          <a:lstStyle/>
+          <a:p>
+            <a:pPr>
+              <a:defRPr/>
+            </a:pPr>
+            <a:fld id="{4749611C-D50B-4136-965E-3F673313754A}" type="datetime1">
+              <a:rPr lang="en-US" altLang="en-US" smtClean="0"/>
+              <a:t>12/3/2013</a:t>
+            </a:fld>
+            <a:endParaRPr lang="en-US" altLang="en-US"/>
+          </a:p>
+        </p:txBody>
+      </p:sp>
+      <p:sp>
+        <p:nvSpPr>
+          <p:cNvPr id="6" name="Footer Placeholder 5"/>
+          <p:cNvSpPr>
+            <a:spLocks noGrp="1"/>
+          </p:cNvSpPr>
+          <p:nvPr>
+            <p:ph type="ftr" idx="11"/>
+          </p:nvPr>
+        </p:nvSpPr>
+        <p:spPr/>
+        <p:txBody>
+          <a:bodyPr/>
+          <a:lstStyle/>
+          <a:p>
+            <a:pPr>
+              <a:defRPr/>
+            </a:pPr>
+            <a:r>
+              <a:rPr lang="en-US" altLang="en-US" smtClean="0"/>
+              <a:t>First Semester Presentation</a:t>
+            </a:r>
             <a:endParaRPr lang="en-US" altLang="en-US" dirty="0"/>
           </a:p>
         </p:txBody>
@@ -17857,6 +18904,87 @@
           </a:prstGeom>
         </p:spPr>
       </p:pic>
+      <p:sp>
+        <p:nvSpPr>
+          <p:cNvPr id="3" name="Date Placeholder 2"/>
+          <p:cNvSpPr>
+            <a:spLocks noGrp="1"/>
+          </p:cNvSpPr>
+          <p:nvPr>
+            <p:ph type="dt" idx="10"/>
+          </p:nvPr>
+        </p:nvSpPr>
+        <p:spPr/>
+        <p:txBody>
+          <a:bodyPr/>
+          <a:lstStyle/>
+          <a:p>
+            <a:pPr>
+              <a:defRPr/>
+            </a:pPr>
+            <a:fld id="{B6CAD58A-E0CB-4E74-9F26-3FA2679C340C}" type="datetime1">
+              <a:rPr lang="en-US" altLang="en-US" smtClean="0"/>
+              <a:t>12/3/2013</a:t>
+            </a:fld>
+            <a:endParaRPr lang="en-US" altLang="en-US"/>
+          </a:p>
+        </p:txBody>
+      </p:sp>
+      <p:sp>
+        <p:nvSpPr>
+          <p:cNvPr id="4" name="Slide Number Placeholder 3"/>
+          <p:cNvSpPr>
+            <a:spLocks noGrp="1"/>
+          </p:cNvSpPr>
+          <p:nvPr>
+            <p:ph type="sldNum" idx="12"/>
+          </p:nvPr>
+        </p:nvSpPr>
+        <p:spPr/>
+        <p:txBody>
+          <a:bodyPr/>
+          <a:lstStyle/>
+          <a:p>
+            <a:pPr>
+              <a:defRPr/>
+            </a:pPr>
+            <a:fld id="{8C6E2802-7AC4-44BB-B0A5-E12803E0614A}" type="slidenum">
+              <a:rPr lang="en-US" altLang="en-US" smtClean="0"/>
+              <a:pPr>
+                <a:defRPr/>
+              </a:pPr>
+              <a:t>24</a:t>
+            </a:fld>
+            <a:endParaRPr lang="en-US" altLang="en-US" dirty="0"/>
+          </a:p>
+        </p:txBody>
+      </p:sp>
+      <p:sp>
+        <p:nvSpPr>
+          <p:cNvPr id="5" name="Footer Placeholder 4"/>
+          <p:cNvSpPr>
+            <a:spLocks noGrp="1"/>
+          </p:cNvSpPr>
+          <p:nvPr>
+            <p:ph type="ftr" idx="11"/>
+          </p:nvPr>
+        </p:nvSpPr>
+        <p:spPr/>
+        <p:txBody>
+          <a:bodyPr/>
+          <a:lstStyle/>
+          <a:p>
+            <a:pPr>
+              <a:defRPr/>
+            </a:pPr>
+            <a:r>
+              <a:rPr lang="en-US" altLang="en-US" smtClean="0"/>
+              <a:t>First Semester Presentation</a:t>
+            </a:r>
+            <a:endParaRPr lang="en-US" altLang="en-US" dirty="0"/>
+          </a:p>
+        </p:txBody>
+      </p:sp>
     </p:spTree>
     <p:extLst>
       <p:ext uri="{BB962C8B-B14F-4D97-AF65-F5344CB8AC3E}">
@@ -18047,6 +19175,87 @@
           </a:p>
           <a:p>
             <a:endParaRPr lang="en-US" dirty="0" smtClean="0"/>
+          </a:p>
+        </p:txBody>
+      </p:sp>
+      <p:sp>
+        <p:nvSpPr>
+          <p:cNvPr id="2" name="Date Placeholder 1"/>
+          <p:cNvSpPr>
+            <a:spLocks noGrp="1"/>
+          </p:cNvSpPr>
+          <p:nvPr>
+            <p:ph type="dt" idx="10"/>
+          </p:nvPr>
+        </p:nvSpPr>
+        <p:spPr/>
+        <p:txBody>
+          <a:bodyPr/>
+          <a:lstStyle/>
+          <a:p>
+            <a:pPr>
+              <a:defRPr/>
+            </a:pPr>
+            <a:fld id="{0F6F1DA8-A970-4404-83E1-1613443DADE6}" type="datetime1">
+              <a:rPr lang="en-US" altLang="en-US" smtClean="0"/>
+              <a:t>12/3/2013</a:t>
+            </a:fld>
+            <a:endParaRPr lang="en-US" altLang="en-US"/>
+          </a:p>
+        </p:txBody>
+      </p:sp>
+      <p:sp>
+        <p:nvSpPr>
+          <p:cNvPr id="3" name="Slide Number Placeholder 2"/>
+          <p:cNvSpPr>
+            <a:spLocks noGrp="1"/>
+          </p:cNvSpPr>
+          <p:nvPr>
+            <p:ph type="sldNum" idx="12"/>
+          </p:nvPr>
+        </p:nvSpPr>
+        <p:spPr/>
+        <p:txBody>
+          <a:bodyPr/>
+          <a:lstStyle/>
+          <a:p>
+            <a:pPr>
+              <a:defRPr/>
+            </a:pPr>
+            <a:fld id="{8C6E2802-7AC4-44BB-B0A5-E12803E0614A}" type="slidenum">
+              <a:rPr lang="en-US" altLang="en-US" smtClean="0"/>
+              <a:pPr>
+                <a:defRPr/>
+              </a:pPr>
+              <a:t>25</a:t>
+            </a:fld>
+            <a:endParaRPr lang="en-US" altLang="en-US" dirty="0"/>
+          </a:p>
+        </p:txBody>
+      </p:sp>
+      <p:sp>
+        <p:nvSpPr>
+          <p:cNvPr id="6" name="Footer Placeholder 5"/>
+          <p:cNvSpPr>
+            <a:spLocks noGrp="1"/>
+          </p:cNvSpPr>
+          <p:nvPr>
+            <p:ph type="ftr" idx="11"/>
+          </p:nvPr>
+        </p:nvSpPr>
+        <p:spPr/>
+        <p:txBody>
+          <a:bodyPr/>
+          <a:lstStyle/>
+          <a:p>
+            <a:pPr>
+              <a:defRPr/>
+            </a:pPr>
+            <a:r>
+              <a:rPr lang="en-US" altLang="en-US" smtClean="0"/>
+              <a:t>First Semester Presentation</a:t>
+            </a:r>
+            <a:endParaRPr lang="en-US" altLang="en-US" dirty="0"/>
           </a:p>
         </p:txBody>
       </p:sp>
@@ -18221,11 +19430,11 @@
   <p:clrMapOvr>
     <a:masterClrMapping/>
   </p:clrMapOvr>
-  <mc:AlternateContent xmlns:mc="http://schemas.openxmlformats.org/markup-compatibility/2006">
-    <mc:Choice xmlns:p14="http://schemas.microsoft.com/office/powerpoint/2010/main" Requires="p14">
+  <mc:AlternateContent xmlns:mc="http://schemas.openxmlformats.org/markup-compatibility/2006" xmlns:p14="http://schemas.microsoft.com/office/powerpoint/2010/main">
+    <mc:Choice Requires="p14">
       <p:transition spd="slow" p14:dur="2000" advTm="1250"/>
     </mc:Choice>
-    <mc:Fallback>
+    <mc:Fallback xmlns="">
       <p:transition spd="slow" advTm="1250"/>
     </mc:Fallback>
   </mc:AlternateContent>
@@ -18389,6 +19598,58 @@
           </a:extLst>
         </p:spPr>
       </p:pic>
+      <p:sp>
+        <p:nvSpPr>
+          <p:cNvPr id="3" name="Date Placeholder 2"/>
+          <p:cNvSpPr>
+            <a:spLocks noGrp="1"/>
+          </p:cNvSpPr>
+          <p:nvPr>
+            <p:ph type="dt" idx="10"/>
+          </p:nvPr>
+        </p:nvSpPr>
+        <p:spPr/>
+        <p:txBody>
+          <a:bodyPr/>
+          <a:lstStyle/>
+          <a:p>
+            <a:pPr>
+              <a:defRPr/>
+            </a:pPr>
+            <a:fld id="{25A2D052-3384-40FE-AAFE-0702357C5108}" type="datetime1">
+              <a:rPr lang="en-US" altLang="en-US" smtClean="0"/>
+              <a:t>12/3/2013</a:t>
+            </a:fld>
+            <a:endParaRPr lang="en-US" altLang="en-US"/>
+          </a:p>
+        </p:txBody>
+      </p:sp>
+      <p:sp>
+        <p:nvSpPr>
+          <p:cNvPr id="6" name="Footer Placeholder 5"/>
+          <p:cNvSpPr>
+            <a:spLocks noGrp="1"/>
+          </p:cNvSpPr>
+          <p:nvPr>
+            <p:ph type="ftr" idx="11"/>
+          </p:nvPr>
+        </p:nvSpPr>
+        <p:spPr/>
+        <p:txBody>
+          <a:bodyPr/>
+          <a:lstStyle/>
+          <a:p>
+            <a:pPr>
+              <a:defRPr/>
+            </a:pPr>
+            <a:r>
+              <a:rPr lang="en-US" altLang="en-US" smtClean="0"/>
+              <a:t>First Semester Presentation</a:t>
+            </a:r>
+            <a:endParaRPr lang="en-US" altLang="en-US" dirty="0"/>
+          </a:p>
+        </p:txBody>
+      </p:sp>
     </p:spTree>
   </p:cSld>
   <p:clrMapOvr>
@@ -18555,11 +19816,11 @@
   <p:clrMapOvr>
     <a:masterClrMapping/>
   </p:clrMapOvr>
-  <mc:AlternateContent xmlns:mc="http://schemas.openxmlformats.org/markup-compatibility/2006">
-    <mc:Choice xmlns:p14="http://schemas.microsoft.com/office/powerpoint/2010/main" Requires="p14">
+  <mc:AlternateContent xmlns:mc="http://schemas.openxmlformats.org/markup-compatibility/2006" xmlns:p14="http://schemas.microsoft.com/office/powerpoint/2010/main">
+    <mc:Choice Requires="p14">
       <p:transition spd="slow" p14:dur="2000" advTm="1250"/>
     </mc:Choice>
-    <mc:Fallback>
+    <mc:Fallback xmlns="">
       <p:transition spd="slow" advTm="1250"/>
     </mc:Fallback>
   </mc:AlternateContent>
@@ -24043,6 +25304,58 @@
           </a:p>
         </p:txBody>
       </p:sp>
+      <p:sp>
+        <p:nvSpPr>
+          <p:cNvPr id="2" name="Date Placeholder 1"/>
+          <p:cNvSpPr>
+            <a:spLocks noGrp="1"/>
+          </p:cNvSpPr>
+          <p:nvPr>
+            <p:ph type="dt" idx="10"/>
+          </p:nvPr>
+        </p:nvSpPr>
+        <p:spPr/>
+        <p:txBody>
+          <a:bodyPr/>
+          <a:lstStyle/>
+          <a:p>
+            <a:pPr>
+              <a:defRPr/>
+            </a:pPr>
+            <a:fld id="{2C020EB3-E5B6-4909-B723-48C0F1069030}" type="datetime1">
+              <a:rPr lang="en-US" altLang="en-US" smtClean="0"/>
+              <a:t>12/3/2013</a:t>
+            </a:fld>
+            <a:endParaRPr lang="en-US" altLang="en-US"/>
+          </a:p>
+        </p:txBody>
+      </p:sp>
+      <p:sp>
+        <p:nvSpPr>
+          <p:cNvPr id="3" name="Footer Placeholder 2"/>
+          <p:cNvSpPr>
+            <a:spLocks noGrp="1"/>
+          </p:cNvSpPr>
+          <p:nvPr>
+            <p:ph type="ftr" idx="11"/>
+          </p:nvPr>
+        </p:nvSpPr>
+        <p:spPr/>
+        <p:txBody>
+          <a:bodyPr/>
+          <a:lstStyle/>
+          <a:p>
+            <a:pPr>
+              <a:defRPr/>
+            </a:pPr>
+            <a:r>
+              <a:rPr lang="en-US" altLang="en-US" smtClean="0"/>
+              <a:t>First Semester Presentation</a:t>
+            </a:r>
+            <a:endParaRPr lang="en-US" altLang="en-US" dirty="0"/>
+          </a:p>
+        </p:txBody>
+      </p:sp>
     </p:spTree>
   </p:cSld>
   <p:clrMapOvr>
@@ -25077,6 +26390,58 @@
           </a:graphicData>
         </a:graphic>
       </p:graphicFrame>
+      <p:sp>
+        <p:nvSpPr>
+          <p:cNvPr id="2" name="Date Placeholder 1"/>
+          <p:cNvSpPr>
+            <a:spLocks noGrp="1"/>
+          </p:cNvSpPr>
+          <p:nvPr>
+            <p:ph type="dt" idx="10"/>
+          </p:nvPr>
+        </p:nvSpPr>
+        <p:spPr/>
+        <p:txBody>
+          <a:bodyPr/>
+          <a:lstStyle/>
+          <a:p>
+            <a:pPr>
+              <a:defRPr/>
+            </a:pPr>
+            <a:fld id="{B708CFFF-8164-4537-840D-90857F88FF4A}" type="datetime1">
+              <a:rPr lang="en-US" altLang="en-US" smtClean="0"/>
+              <a:t>12/3/2013</a:t>
+            </a:fld>
+            <a:endParaRPr lang="en-US" altLang="en-US"/>
+          </a:p>
+        </p:txBody>
+      </p:sp>
+      <p:sp>
+        <p:nvSpPr>
+          <p:cNvPr id="3" name="Footer Placeholder 2"/>
+          <p:cNvSpPr>
+            <a:spLocks noGrp="1"/>
+          </p:cNvSpPr>
+          <p:nvPr>
+            <p:ph type="ftr" idx="11"/>
+          </p:nvPr>
+        </p:nvSpPr>
+        <p:spPr/>
+        <p:txBody>
+          <a:bodyPr/>
+          <a:lstStyle/>
+          <a:p>
+            <a:pPr>
+              <a:defRPr/>
+            </a:pPr>
+            <a:r>
+              <a:rPr lang="en-US" altLang="en-US" smtClean="0"/>
+              <a:t>First Semester Presentation</a:t>
+            </a:r>
+            <a:endParaRPr lang="en-US" altLang="en-US" dirty="0"/>
+          </a:p>
+        </p:txBody>
+      </p:sp>
     </p:spTree>
   </p:cSld>
   <p:clrMapOvr>
@@ -29732,6 +31097,87 @@
           </a:p>
         </p:txBody>
       </p:sp>
+      <p:sp>
+        <p:nvSpPr>
+          <p:cNvPr id="3" name="Date Placeholder 2"/>
+          <p:cNvSpPr>
+            <a:spLocks noGrp="1"/>
+          </p:cNvSpPr>
+          <p:nvPr>
+            <p:ph type="dt" idx="10"/>
+          </p:nvPr>
+        </p:nvSpPr>
+        <p:spPr/>
+        <p:txBody>
+          <a:bodyPr/>
+          <a:lstStyle/>
+          <a:p>
+            <a:pPr>
+              <a:defRPr/>
+            </a:pPr>
+            <a:fld id="{FE50FB38-9F5C-4DB9-AC94-101B220F3C0E}" type="datetime1">
+              <a:rPr lang="en-US" altLang="en-US" smtClean="0"/>
+              <a:t>12/3/2013</a:t>
+            </a:fld>
+            <a:endParaRPr lang="en-US" altLang="en-US"/>
+          </a:p>
+        </p:txBody>
+      </p:sp>
+      <p:sp>
+        <p:nvSpPr>
+          <p:cNvPr id="4" name="Slide Number Placeholder 3"/>
+          <p:cNvSpPr>
+            <a:spLocks noGrp="1"/>
+          </p:cNvSpPr>
+          <p:nvPr>
+            <p:ph type="sldNum" idx="12"/>
+          </p:nvPr>
+        </p:nvSpPr>
+        <p:spPr/>
+        <p:txBody>
+          <a:bodyPr/>
+          <a:lstStyle/>
+          <a:p>
+            <a:pPr>
+              <a:defRPr/>
+            </a:pPr>
+            <a:fld id="{8C6E2802-7AC4-44BB-B0A5-E12803E0614A}" type="slidenum">
+              <a:rPr lang="en-US" altLang="en-US" smtClean="0"/>
+              <a:pPr>
+                <a:defRPr/>
+              </a:pPr>
+              <a:t>30</a:t>
+            </a:fld>
+            <a:endParaRPr lang="en-US" altLang="en-US" dirty="0"/>
+          </a:p>
+        </p:txBody>
+      </p:sp>
+      <p:sp>
+        <p:nvSpPr>
+          <p:cNvPr id="5" name="Footer Placeholder 4"/>
+          <p:cNvSpPr>
+            <a:spLocks noGrp="1"/>
+          </p:cNvSpPr>
+          <p:nvPr>
+            <p:ph type="ftr" idx="11"/>
+          </p:nvPr>
+        </p:nvSpPr>
+        <p:spPr/>
+        <p:txBody>
+          <a:bodyPr/>
+          <a:lstStyle/>
+          <a:p>
+            <a:pPr>
+              <a:defRPr/>
+            </a:pPr>
+            <a:r>
+              <a:rPr lang="en-US" altLang="en-US" smtClean="0"/>
+              <a:t>First Semester Presentation</a:t>
+            </a:r>
+            <a:endParaRPr lang="en-US" altLang="en-US" dirty="0"/>
+          </a:p>
+        </p:txBody>
+      </p:sp>
     </p:spTree>
     <p:extLst>
       <p:ext uri="{BB962C8B-B14F-4D97-AF65-F5344CB8AC3E}">
@@ -34400,6 +35846,58 @@
           </a:p>
         </p:txBody>
       </p:sp>
+      <p:sp>
+        <p:nvSpPr>
+          <p:cNvPr id="2" name="Date Placeholder 1"/>
+          <p:cNvSpPr>
+            <a:spLocks noGrp="1"/>
+          </p:cNvSpPr>
+          <p:nvPr>
+            <p:ph type="dt" idx="10"/>
+          </p:nvPr>
+        </p:nvSpPr>
+        <p:spPr/>
+        <p:txBody>
+          <a:bodyPr/>
+          <a:lstStyle/>
+          <a:p>
+            <a:pPr>
+              <a:defRPr/>
+            </a:pPr>
+            <a:fld id="{1E273B08-4A0D-41E5-AC1E-9C7BB80DAF25}" type="datetime1">
+              <a:rPr lang="en-US" altLang="en-US" smtClean="0"/>
+              <a:t>12/3/2013</a:t>
+            </a:fld>
+            <a:endParaRPr lang="en-US" altLang="en-US"/>
+          </a:p>
+        </p:txBody>
+      </p:sp>
+      <p:sp>
+        <p:nvSpPr>
+          <p:cNvPr id="3" name="Footer Placeholder 2"/>
+          <p:cNvSpPr>
+            <a:spLocks noGrp="1"/>
+          </p:cNvSpPr>
+          <p:nvPr>
+            <p:ph type="ftr" idx="11"/>
+          </p:nvPr>
+        </p:nvSpPr>
+        <p:spPr/>
+        <p:txBody>
+          <a:bodyPr/>
+          <a:lstStyle/>
+          <a:p>
+            <a:pPr>
+              <a:defRPr/>
+            </a:pPr>
+            <a:r>
+              <a:rPr lang="en-US" altLang="en-US" smtClean="0"/>
+              <a:t>First Semester Presentation</a:t>
+            </a:r>
+            <a:endParaRPr lang="en-US" altLang="en-US" dirty="0"/>
+          </a:p>
+        </p:txBody>
+      </p:sp>
     </p:spTree>
     <p:extLst>
       <p:ext uri="{BB962C8B-B14F-4D97-AF65-F5344CB8AC3E}">
@@ -34568,11 +36066,11 @@
   <p:clrMapOvr>
     <a:masterClrMapping/>
   </p:clrMapOvr>
-  <mc:AlternateContent xmlns:mc="http://schemas.openxmlformats.org/markup-compatibility/2006">
-    <mc:Choice xmlns:p14="http://schemas.microsoft.com/office/powerpoint/2010/main" Requires="p14">
+  <mc:AlternateContent xmlns:mc="http://schemas.openxmlformats.org/markup-compatibility/2006" xmlns:p14="http://schemas.microsoft.com/office/powerpoint/2010/main">
+    <mc:Choice Requires="p14">
       <p:transition spd="slow" p14:dur="2000" advTm="1250"/>
     </mc:Choice>
-    <mc:Fallback>
+    <mc:Fallback xmlns="">
       <p:transition spd="slow" advTm="1250"/>
     </mc:Fallback>
   </mc:AlternateContent>
@@ -34684,6 +36182,58 @@
               </a:pPr>
               <a:t>33</a:t>
             </a:fld>
+            <a:endParaRPr lang="en-US" altLang="en-US" dirty="0"/>
+          </a:p>
+        </p:txBody>
+      </p:sp>
+      <p:sp>
+        <p:nvSpPr>
+          <p:cNvPr id="5" name="Date Placeholder 4"/>
+          <p:cNvSpPr>
+            <a:spLocks noGrp="1"/>
+          </p:cNvSpPr>
+          <p:nvPr>
+            <p:ph type="dt" idx="10"/>
+          </p:nvPr>
+        </p:nvSpPr>
+        <p:spPr/>
+        <p:txBody>
+          <a:bodyPr/>
+          <a:lstStyle/>
+          <a:p>
+            <a:pPr>
+              <a:defRPr/>
+            </a:pPr>
+            <a:fld id="{D595F76B-21C0-4F92-A7DF-27024DA446D3}" type="datetime1">
+              <a:rPr lang="en-US" altLang="en-US" smtClean="0"/>
+              <a:t>12/3/2013</a:t>
+            </a:fld>
+            <a:endParaRPr lang="en-US" altLang="en-US"/>
+          </a:p>
+        </p:txBody>
+      </p:sp>
+      <p:sp>
+        <p:nvSpPr>
+          <p:cNvPr id="6" name="Footer Placeholder 5"/>
+          <p:cNvSpPr>
+            <a:spLocks noGrp="1"/>
+          </p:cNvSpPr>
+          <p:nvPr>
+            <p:ph type="ftr" idx="11"/>
+          </p:nvPr>
+        </p:nvSpPr>
+        <p:spPr/>
+        <p:txBody>
+          <a:bodyPr/>
+          <a:lstStyle/>
+          <a:p>
+            <a:pPr>
+              <a:defRPr/>
+            </a:pPr>
+            <a:r>
+              <a:rPr lang="en-US" altLang="en-US" smtClean="0"/>
+              <a:t>First Semester Presentation</a:t>
+            </a:r>
             <a:endParaRPr lang="en-US" altLang="en-US" dirty="0"/>
           </a:p>
         </p:txBody>
@@ -35616,6 +37166,58 @@
           </a:p>
         </p:txBody>
       </p:sp>
+      <p:sp>
+        <p:nvSpPr>
+          <p:cNvPr id="2" name="Date Placeholder 1"/>
+          <p:cNvSpPr>
+            <a:spLocks noGrp="1"/>
+          </p:cNvSpPr>
+          <p:nvPr>
+            <p:ph type="dt" idx="10"/>
+          </p:nvPr>
+        </p:nvSpPr>
+        <p:spPr/>
+        <p:txBody>
+          <a:bodyPr/>
+          <a:lstStyle/>
+          <a:p>
+            <a:pPr>
+              <a:defRPr/>
+            </a:pPr>
+            <a:fld id="{624F7126-46C4-4CC0-8BCC-5B73A12562D7}" type="datetime1">
+              <a:rPr lang="en-US" altLang="en-US" smtClean="0"/>
+              <a:t>12/3/2013</a:t>
+            </a:fld>
+            <a:endParaRPr lang="en-US" altLang="en-US"/>
+          </a:p>
+        </p:txBody>
+      </p:sp>
+      <p:sp>
+        <p:nvSpPr>
+          <p:cNvPr id="3" name="Footer Placeholder 2"/>
+          <p:cNvSpPr>
+            <a:spLocks noGrp="1"/>
+          </p:cNvSpPr>
+          <p:nvPr>
+            <p:ph type="ftr" idx="11"/>
+          </p:nvPr>
+        </p:nvSpPr>
+        <p:spPr/>
+        <p:txBody>
+          <a:bodyPr/>
+          <a:lstStyle/>
+          <a:p>
+            <a:pPr>
+              <a:defRPr/>
+            </a:pPr>
+            <a:r>
+              <a:rPr lang="en-US" altLang="en-US" smtClean="0"/>
+              <a:t>First Semester Presentation</a:t>
+            </a:r>
+            <a:endParaRPr lang="en-US" altLang="en-US" dirty="0"/>
+          </a:p>
+        </p:txBody>
+      </p:sp>
     </p:spTree>
   </p:cSld>
   <p:clrMapOvr>
@@ -35803,11 +37405,11 @@
   <p:clrMapOvr>
     <a:masterClrMapping/>
   </p:clrMapOvr>
-  <mc:AlternateContent xmlns:mc="http://schemas.openxmlformats.org/markup-compatibility/2006">
-    <mc:Choice xmlns:p14="http://schemas.microsoft.com/office/powerpoint/2010/main" Requires="p14">
+  <mc:AlternateContent xmlns:mc="http://schemas.openxmlformats.org/markup-compatibility/2006" xmlns:p14="http://schemas.microsoft.com/office/powerpoint/2010/main">
+    <mc:Choice Requires="p14">
       <p:transition spd="slow" p14:dur="2000" advTm="1250"/>
     </mc:Choice>
-    <mc:Fallback>
+    <mc:Fallback xmlns="">
       <p:transition spd="slow" advTm="1250"/>
     </mc:Fallback>
   </mc:AlternateContent>
@@ -37159,6 +38761,58 @@
           </a:graphicData>
         </a:graphic>
       </p:graphicFrame>
+      <p:sp>
+        <p:nvSpPr>
+          <p:cNvPr id="2" name="Date Placeholder 1"/>
+          <p:cNvSpPr>
+            <a:spLocks noGrp="1"/>
+          </p:cNvSpPr>
+          <p:nvPr>
+            <p:ph type="dt" idx="10"/>
+          </p:nvPr>
+        </p:nvSpPr>
+        <p:spPr/>
+        <p:txBody>
+          <a:bodyPr/>
+          <a:lstStyle/>
+          <a:p>
+            <a:pPr>
+              <a:defRPr/>
+            </a:pPr>
+            <a:fld id="{B40FB0AB-52E5-48B5-8E64-8F0439A8057F}" type="datetime1">
+              <a:rPr lang="en-US" altLang="en-US" smtClean="0"/>
+              <a:t>12/3/2013</a:t>
+            </a:fld>
+            <a:endParaRPr lang="en-US" altLang="en-US"/>
+          </a:p>
+        </p:txBody>
+      </p:sp>
+      <p:sp>
+        <p:nvSpPr>
+          <p:cNvPr id="3" name="Footer Placeholder 2"/>
+          <p:cNvSpPr>
+            <a:spLocks noGrp="1"/>
+          </p:cNvSpPr>
+          <p:nvPr>
+            <p:ph type="ftr" idx="11"/>
+          </p:nvPr>
+        </p:nvSpPr>
+        <p:spPr/>
+        <p:txBody>
+          <a:bodyPr/>
+          <a:lstStyle/>
+          <a:p>
+            <a:pPr>
+              <a:defRPr/>
+            </a:pPr>
+            <a:r>
+              <a:rPr lang="en-US" altLang="en-US" smtClean="0"/>
+              <a:t>First Semester Presentation</a:t>
+            </a:r>
+            <a:endParaRPr lang="en-US" altLang="en-US" dirty="0"/>
+          </a:p>
+        </p:txBody>
+      </p:sp>
     </p:spTree>
   </p:cSld>
   <p:clrMapOvr>
@@ -37384,6 +39038,58 @@
           </a:p>
         </p:txBody>
       </p:sp>
+      <p:sp>
+        <p:nvSpPr>
+          <p:cNvPr id="5" name="Date Placeholder 4"/>
+          <p:cNvSpPr>
+            <a:spLocks noGrp="1"/>
+          </p:cNvSpPr>
+          <p:nvPr>
+            <p:ph type="dt" idx="10"/>
+          </p:nvPr>
+        </p:nvSpPr>
+        <p:spPr/>
+        <p:txBody>
+          <a:bodyPr/>
+          <a:lstStyle/>
+          <a:p>
+            <a:pPr>
+              <a:defRPr/>
+            </a:pPr>
+            <a:fld id="{20833FEA-6F41-4D0A-9177-7BBF32518455}" type="datetime1">
+              <a:rPr lang="en-US" altLang="en-US" smtClean="0"/>
+              <a:t>12/3/2013</a:t>
+            </a:fld>
+            <a:endParaRPr lang="en-US" altLang="en-US"/>
+          </a:p>
+        </p:txBody>
+      </p:sp>
+      <p:sp>
+        <p:nvSpPr>
+          <p:cNvPr id="6" name="Footer Placeholder 5"/>
+          <p:cNvSpPr>
+            <a:spLocks noGrp="1"/>
+          </p:cNvSpPr>
+          <p:nvPr>
+            <p:ph type="ftr" idx="11"/>
+          </p:nvPr>
+        </p:nvSpPr>
+        <p:spPr/>
+        <p:txBody>
+          <a:bodyPr/>
+          <a:lstStyle/>
+          <a:p>
+            <a:pPr>
+              <a:defRPr/>
+            </a:pPr>
+            <a:r>
+              <a:rPr lang="en-US" altLang="en-US" smtClean="0"/>
+              <a:t>First Semester Presentation</a:t>
+            </a:r>
+            <a:endParaRPr lang="en-US" altLang="en-US" dirty="0"/>
+          </a:p>
+        </p:txBody>
+      </p:sp>
     </p:spTree>
   </p:cSld>
   <p:clrMapOvr>
@@ -37550,11 +39256,11 @@
   <p:clrMapOvr>
     <a:masterClrMapping/>
   </p:clrMapOvr>
-  <mc:AlternateContent xmlns:mc="http://schemas.openxmlformats.org/markup-compatibility/2006">
-    <mc:Choice xmlns:p14="http://schemas.microsoft.com/office/powerpoint/2010/main" Requires="p14">
+  <mc:AlternateContent xmlns:mc="http://schemas.openxmlformats.org/markup-compatibility/2006" xmlns:p14="http://schemas.microsoft.com/office/powerpoint/2010/main">
+    <mc:Choice Requires="p14">
       <p:transition spd="slow" p14:dur="2000" advTm="1250"/>
     </mc:Choice>
-    <mc:Fallback>
+    <mc:Fallback xmlns="">
       <p:transition spd="slow" advTm="1250"/>
     </mc:Fallback>
   </mc:AlternateContent>
@@ -40297,6 +42003,58 @@
           </a:p>
         </p:txBody>
       </p:sp>
+      <p:sp>
+        <p:nvSpPr>
+          <p:cNvPr id="35" name="Date Placeholder 34"/>
+          <p:cNvSpPr>
+            <a:spLocks noGrp="1"/>
+          </p:cNvSpPr>
+          <p:nvPr>
+            <p:ph type="dt" idx="10"/>
+          </p:nvPr>
+        </p:nvSpPr>
+        <p:spPr/>
+        <p:txBody>
+          <a:bodyPr/>
+          <a:lstStyle/>
+          <a:p>
+            <a:pPr>
+              <a:defRPr/>
+            </a:pPr>
+            <a:fld id="{61E28845-699F-41F2-B354-4081035A13F6}" type="datetime1">
+              <a:rPr lang="en-US" altLang="en-US" smtClean="0"/>
+              <a:t>12/3/2013</a:t>
+            </a:fld>
+            <a:endParaRPr lang="en-US" altLang="en-US"/>
+          </a:p>
+        </p:txBody>
+      </p:sp>
+      <p:sp>
+        <p:nvSpPr>
+          <p:cNvPr id="36" name="Footer Placeholder 35"/>
+          <p:cNvSpPr>
+            <a:spLocks noGrp="1"/>
+          </p:cNvSpPr>
+          <p:nvPr>
+            <p:ph type="ftr" idx="11"/>
+          </p:nvPr>
+        </p:nvSpPr>
+        <p:spPr/>
+        <p:txBody>
+          <a:bodyPr/>
+          <a:lstStyle/>
+          <a:p>
+            <a:pPr>
+              <a:defRPr/>
+            </a:pPr>
+            <a:r>
+              <a:rPr lang="en-US" altLang="en-US" smtClean="0"/>
+              <a:t>First Semester Presentation</a:t>
+            </a:r>
+            <a:endParaRPr lang="en-US" altLang="en-US" dirty="0"/>
+          </a:p>
+        </p:txBody>
+      </p:sp>
     </p:spTree>
     <p:extLst>
       <p:ext uri="{BB962C8B-B14F-4D97-AF65-F5344CB8AC3E}">
@@ -40650,6 +42408,58 @@
           </a:ln>
         </p:spPr>
       </p:pic>
+      <p:sp>
+        <p:nvSpPr>
+          <p:cNvPr id="5" name="Date Placeholder 4"/>
+          <p:cNvSpPr>
+            <a:spLocks noGrp="1"/>
+          </p:cNvSpPr>
+          <p:nvPr>
+            <p:ph type="dt" idx="10"/>
+          </p:nvPr>
+        </p:nvSpPr>
+        <p:spPr/>
+        <p:txBody>
+          <a:bodyPr/>
+          <a:lstStyle/>
+          <a:p>
+            <a:pPr>
+              <a:defRPr/>
+            </a:pPr>
+            <a:fld id="{12B11255-B48B-4055-8650-03B8D1091E18}" type="datetime1">
+              <a:rPr lang="en-US" altLang="en-US" smtClean="0"/>
+              <a:t>12/3/2013</a:t>
+            </a:fld>
+            <a:endParaRPr lang="en-US" altLang="en-US"/>
+          </a:p>
+        </p:txBody>
+      </p:sp>
+      <p:sp>
+        <p:nvSpPr>
+          <p:cNvPr id="6" name="Footer Placeholder 5"/>
+          <p:cNvSpPr>
+            <a:spLocks noGrp="1"/>
+          </p:cNvSpPr>
+          <p:nvPr>
+            <p:ph type="ftr" idx="11"/>
+          </p:nvPr>
+        </p:nvSpPr>
+        <p:spPr/>
+        <p:txBody>
+          <a:bodyPr/>
+          <a:lstStyle/>
+          <a:p>
+            <a:pPr>
+              <a:defRPr/>
+            </a:pPr>
+            <a:r>
+              <a:rPr lang="en-US" altLang="en-US" smtClean="0"/>
+              <a:t>First Semester Presentation</a:t>
+            </a:r>
+            <a:endParaRPr lang="en-US" altLang="en-US" dirty="0"/>
+          </a:p>
+        </p:txBody>
+      </p:sp>
     </p:spTree>
   </p:cSld>
   <p:clrMapOvr>

--- a/CMQA/Presentations/First-Semester-Presentation.pptx
+++ b/CMQA/Presentations/First-Semester-Presentation.pptx
@@ -13223,7 +13223,40 @@
                   </a:schemeClr>
                 </a:solidFill>
               </a:rPr>
-              <a:t>Beyond launch cost, the cost associated with designing, building, and testing a CubeSat (or microsatellite, for that matter) is on the order of thousands of dollars, as opposed to the millions associated with larger, more complicated spacecraft systems.</a:t>
+              <a:t>Beyond launch cost, the cost associated with designing, building, and testing a </a:t>
+            </a:r>
+            <a:r>
+              <a:rPr lang="en-US" sz="2000">
+                <a:solidFill>
+                  <a:schemeClr val="tx1">
+                    <a:lumMod val="85000"/>
+                    <a:lumOff val="15000"/>
+                  </a:schemeClr>
+                </a:solidFill>
+              </a:rPr>
+              <a:t>CubeSat </a:t>
+            </a:r>
+            <a:r>
+              <a:rPr lang="en-US" sz="2000" smtClean="0">
+                <a:solidFill>
+                  <a:schemeClr val="tx1">
+                    <a:lumMod val="85000"/>
+                    <a:lumOff val="15000"/>
+                  </a:schemeClr>
+                </a:solidFill>
+              </a:rPr>
+              <a:t>is </a:t>
+            </a:r>
+            <a:r>
+              <a:rPr lang="en-US" sz="2000" dirty="0">
+                <a:solidFill>
+                  <a:schemeClr val="tx1">
+                    <a:lumMod val="85000"/>
+                    <a:lumOff val="15000"/>
+                  </a:schemeClr>
+                </a:solidFill>
+              </a:rPr>
+              <a:t>on the order of thousands of dollars, as opposed to the millions associated with larger, more complicated spacecraft systems.</a:t>
             </a:r>
           </a:p>
           <a:p>
@@ -13564,7 +13597,29 @@
                   </a:schemeClr>
                 </a:solidFill>
               </a:rPr>
-              <a:t> for the Planetary Resources deployer.</a:t>
+              <a:t> for the Planetary </a:t>
+            </a:r>
+            <a:r>
+              <a:rPr lang="en-US" sz="1800" dirty="0" smtClean="0">
+                <a:solidFill>
+                  <a:schemeClr val="tx1">
+                    <a:lumMod val="85000"/>
+                    <a:lumOff val="15000"/>
+                  </a:schemeClr>
+                </a:solidFill>
+              </a:rPr>
+              <a:t>Sciences </a:t>
+            </a:r>
+            <a:r>
+              <a:rPr lang="en-US" sz="1800" dirty="0">
+                <a:solidFill>
+                  <a:schemeClr val="tx1">
+                    <a:lumMod val="85000"/>
+                    <a:lumOff val="15000"/>
+                  </a:schemeClr>
+                </a:solidFill>
+              </a:rPr>
+              <a:t>deployer.</a:t>
             </a:r>
           </a:p>
           <a:p>
@@ -26527,7 +26582,7 @@
           <p:nvPr>
             <p:extLst>
               <p:ext uri="{D42A27DB-BD31-4B8C-83A1-F6EECF244321}">
-                <p14:modId xmlns:p14="http://schemas.microsoft.com/office/powerpoint/2010/main" val="2764714519"/>
+                <p14:modId xmlns:p14="http://schemas.microsoft.com/office/powerpoint/2010/main" val="243827498"/>
               </p:ext>
             </p:extLst>
           </p:nvPr>
@@ -27303,7 +27358,7 @@
                     <a:p>
                       <a:pPr algn="ctr" rtl="0" fontAlgn="b"/>
                       <a:r>
-                        <a:rPr lang="en-US" sz="1300">
+                        <a:rPr lang="en-US" sz="1300" dirty="0">
                           <a:solidFill>
                             <a:schemeClr val="tx1"/>
                           </a:solidFill>
@@ -27577,8 +27632,14 @@
                           </a:solidFill>
                           <a:effectLst/>
                         </a:rPr>
-                        <a:t>2</a:t>
+                        <a:t>4</a:t>
                       </a:r>
+                      <a:endParaRPr lang="en-US" sz="1300" dirty="0">
+                        <a:solidFill>
+                          <a:schemeClr val="tx1"/>
+                        </a:solidFill>
+                        <a:effectLst/>
+                      </a:endParaRPr>
                     </a:p>
                   </a:txBody>
                   <a:tcPr marL="31487" marR="31487" marT="0" marB="0" anchor="ctr">
@@ -28985,7 +29046,7 @@
           <p:nvPr>
             <p:extLst>
               <p:ext uri="{D42A27DB-BD31-4B8C-83A1-F6EECF244321}">
-                <p14:modId xmlns:p14="http://schemas.microsoft.com/office/powerpoint/2010/main" val="1665107434"/>
+                <p14:modId xmlns:p14="http://schemas.microsoft.com/office/powerpoint/2010/main" val="4258618461"/>
               </p:ext>
             </p:extLst>
           </p:nvPr>
@@ -29659,10 +29720,6 @@
                     <a:lstStyle/>
                     <a:p>
                       <a:pPr algn="ctr"/>
-                      <a:r>
-                        <a:rPr lang="en-US" sz="900" dirty="0" smtClean="0"/>
-                        <a:t>3</a:t>
-                      </a:r>
                       <a:endParaRPr lang="en-US" sz="900" dirty="0"/>
                     </a:p>
                   </a:txBody>
@@ -29771,7 +29828,15 @@
                       <a:pPr algn="ctr"/>
                       <a:r>
                         <a:rPr lang="en-US" sz="900" dirty="0" smtClean="0"/>
-                        <a:t>4    7</a:t>
+                        <a:t>4 </a:t>
+                      </a:r>
+                      <a:r>
+                        <a:rPr lang="en-US" sz="900" dirty="0" smtClean="0"/>
+                        <a:t>3   </a:t>
+                      </a:r>
+                      <a:r>
+                        <a:rPr lang="en-US" sz="900" dirty="0" smtClean="0"/>
+                        <a:t>7</a:t>
                       </a:r>
                       <a:endParaRPr lang="en-US" sz="900" dirty="0"/>
                     </a:p>
